--- a/doc/Presentation(group 6).pptx
+++ b/doc/Presentation(group 6).pptx
@@ -5,7 +5,7 @@
     <p:sldMasterId id="2147483673" r:id="rId1"/>
   </p:sldMasterIdLst>
   <p:notesMasterIdLst>
-    <p:notesMasterId r:id="rId11"/>
+    <p:notesMasterId r:id="rId10"/>
   </p:notesMasterIdLst>
   <p:sldIdLst>
     <p:sldId id="256" r:id="rId2"/>
@@ -14,37 +14,36 @@
     <p:sldId id="297" r:id="rId5"/>
     <p:sldId id="305" r:id="rId6"/>
     <p:sldId id="307" r:id="rId7"/>
-    <p:sldId id="308" r:id="rId8"/>
-    <p:sldId id="306" r:id="rId9"/>
-    <p:sldId id="302" r:id="rId10"/>
+    <p:sldId id="306" r:id="rId8"/>
+    <p:sldId id="302" r:id="rId9"/>
   </p:sldIdLst>
   <p:sldSz cx="9144000" cy="5143500" type="screen16x9"/>
   <p:notesSz cx="6858000" cy="9144000"/>
   <p:embeddedFontLst>
     <p:embeddedFont>
       <p:font typeface="Exo 2" pitchFamily="2" charset="77"/>
-      <p:regular r:id="rId12"/>
-      <p:bold r:id="rId13"/>
-      <p:italic r:id="rId14"/>
-      <p:boldItalic r:id="rId15"/>
+      <p:regular r:id="rId11"/>
+      <p:bold r:id="rId12"/>
+      <p:italic r:id="rId13"/>
+      <p:boldItalic r:id="rId14"/>
     </p:embeddedFont>
     <p:embeddedFont>
       <p:font typeface="Fira Sans Extra Condensed Medium" panose="020B0603050000020004" pitchFamily="34" charset="0"/>
-      <p:regular r:id="rId16"/>
-      <p:bold r:id="rId17"/>
-      <p:italic r:id="rId18"/>
-      <p:boldItalic r:id="rId19"/>
+      <p:regular r:id="rId15"/>
+      <p:bold r:id="rId16"/>
+      <p:italic r:id="rId17"/>
+      <p:boldItalic r:id="rId18"/>
     </p:embeddedFont>
     <p:embeddedFont>
       <p:font typeface="Roboto Condensed Light" panose="02000000000000000000" pitchFamily="2" charset="0"/>
-      <p:regular r:id="rId20"/>
-      <p:bold r:id="rId21"/>
-      <p:italic r:id="rId22"/>
-      <p:boldItalic r:id="rId23"/>
+      <p:regular r:id="rId19"/>
+      <p:bold r:id="rId20"/>
+      <p:italic r:id="rId21"/>
+      <p:boldItalic r:id="rId22"/>
     </p:embeddedFont>
     <p:embeddedFont>
       <p:font typeface="Squada One" panose="02000000000000000000" pitchFamily="2" charset="0"/>
-      <p:regular r:id="rId24"/>
+      <p:regular r:id="rId23"/>
     </p:embeddedFont>
   </p:embeddedFontLst>
   <p:defaultTextStyle>
@@ -276,6 +275,11 @@
       </a:defRPr>
     </a:lvl9pPr>
   </p:defaultTextStyle>
+  <p:extLst>
+    <p:ext uri="{EFAFB233-063F-42B5-8137-9DF3F51BA10A}">
+      <p15:sldGuideLst xmlns:p15="http://schemas.microsoft.com/office/powerpoint/2012/main"/>
+    </p:ext>
+  </p:extLst>
 </p:presentation>
 </file>
 
@@ -1458,7 +1462,7 @@
     </p:spTree>
     <p:extLst>
       <p:ext uri="{BB962C8B-B14F-4D97-AF65-F5344CB8AC3E}">
-        <p14:creationId xmlns:p14="http://schemas.microsoft.com/office/powerpoint/2010/main" val="917147324"/>
+        <p14:creationId xmlns:p14="http://schemas.microsoft.com/office/powerpoint/2010/main" val="3018909316"/>
       </p:ext>
     </p:extLst>
   </p:cSld>
@@ -1469,115 +1473,6 @@
 </file>
 
 <file path=ppt/notesSlides/notesSlide8.xml><?xml version="1.0" encoding="utf-8"?>
-<p:notes xmlns:a="http://schemas.openxmlformats.org/drawingml/2006/main" xmlns:r="http://schemas.openxmlformats.org/officeDocument/2006/relationships" xmlns:p="http://schemas.openxmlformats.org/presentationml/2006/main" showMasterSp="0" showMasterPhAnim="0">
-  <p:cSld>
-    <p:spTree>
-      <p:nvGrpSpPr>
-        <p:cNvPr id="1" name="Shape 179"/>
-        <p:cNvGrpSpPr/>
-        <p:nvPr/>
-      </p:nvGrpSpPr>
-      <p:grpSpPr>
-        <a:xfrm>
-          <a:off x="0" y="0"/>
-          <a:ext cx="0" cy="0"/>
-          <a:chOff x="0" y="0"/>
-          <a:chExt cx="0" cy="0"/>
-        </a:xfrm>
-      </p:grpSpPr>
-      <p:sp>
-        <p:nvSpPr>
-          <p:cNvPr id="180" name="Google Shape;180;g5465e7bc0b_1_119:notes"/>
-          <p:cNvSpPr>
-            <a:spLocks noGrp="1" noRot="1" noChangeAspect="1"/>
-          </p:cNvSpPr>
-          <p:nvPr>
-            <p:ph type="sldImg" idx="2"/>
-          </p:nvPr>
-        </p:nvSpPr>
-        <p:spPr>
-          <a:xfrm>
-            <a:off x="381000" y="685800"/>
-            <a:ext cx="6096000" cy="3429000"/>
-          </a:xfrm>
-          <a:custGeom>
-            <a:avLst/>
-            <a:gdLst/>
-            <a:ahLst/>
-            <a:cxnLst/>
-            <a:rect l="l" t="t" r="r" b="b"/>
-            <a:pathLst>
-              <a:path w="120000" h="120000" extrusionOk="0">
-                <a:moveTo>
-                  <a:pt x="0" y="0"/>
-                </a:moveTo>
-                <a:lnTo>
-                  <a:pt x="120000" y="0"/>
-                </a:lnTo>
-                <a:lnTo>
-                  <a:pt x="120000" y="120000"/>
-                </a:lnTo>
-                <a:lnTo>
-                  <a:pt x="0" y="120000"/>
-                </a:lnTo>
-                <a:close/>
-              </a:path>
-            </a:pathLst>
-          </a:custGeom>
-        </p:spPr>
-      </p:sp>
-      <p:sp>
-        <p:nvSpPr>
-          <p:cNvPr id="181" name="Google Shape;181;g5465e7bc0b_1_119:notes"/>
-          <p:cNvSpPr txBox="1">
-            <a:spLocks noGrp="1"/>
-          </p:cNvSpPr>
-          <p:nvPr>
-            <p:ph type="body" idx="1"/>
-          </p:nvPr>
-        </p:nvSpPr>
-        <p:spPr>
-          <a:xfrm>
-            <a:off x="685800" y="4343400"/>
-            <a:ext cx="5486400" cy="4114800"/>
-          </a:xfrm>
-          <a:prstGeom prst="rect">
-            <a:avLst/>
-          </a:prstGeom>
-        </p:spPr>
-        <p:txBody>
-          <a:bodyPr spcFirstLastPara="1" wrap="square" lIns="91425" tIns="91425" rIns="91425" bIns="91425" anchor="t" anchorCtr="0">
-            <a:noAutofit/>
-          </a:bodyPr>
-          <a:lstStyle/>
-          <a:p>
-            <a:pPr marL="0" lvl="0" indent="0" algn="l" rtl="0">
-              <a:spcBef>
-                <a:spcPts val="0"/>
-              </a:spcBef>
-              <a:spcAft>
-                <a:spcPts val="0"/>
-              </a:spcAft>
-              <a:buNone/>
-            </a:pPr>
-            <a:endParaRPr/>
-          </a:p>
-        </p:txBody>
-      </p:sp>
-    </p:spTree>
-    <p:extLst>
-      <p:ext uri="{BB962C8B-B14F-4D97-AF65-F5344CB8AC3E}">
-        <p14:creationId xmlns:p14="http://schemas.microsoft.com/office/powerpoint/2010/main" val="3018909316"/>
-      </p:ext>
-    </p:extLst>
-  </p:cSld>
-  <p:clrMapOvr>
-    <a:masterClrMapping/>
-  </p:clrMapOvr>
-</p:notes>
-</file>
-
-<file path=ppt/notesSlides/notesSlide9.xml><?xml version="1.0" encoding="utf-8"?>
 <p:notes xmlns:a="http://schemas.openxmlformats.org/drawingml/2006/main" xmlns:r="http://schemas.openxmlformats.org/officeDocument/2006/relationships" xmlns:p="http://schemas.openxmlformats.org/presentationml/2006/main" showMasterSp="0" showMasterPhAnim="0">
   <p:cSld>
     <p:spTree>
@@ -12528,1154 +12423,6 @@
               <a:rPr lang="en-US" sz="1600" dirty="0">
                 <a:latin typeface="STIXNonUnicode-Regular" pitchFamily="2" charset="2"/>
               </a:rPr>
-              <a:t>Uses a subset of training points (support vectors) in the decision function, so it is memory efficient</a:t>
-            </a:r>
-          </a:p>
-          <a:p>
-            <a:pPr lvl="1">
-              <a:buFont typeface="Courier New" panose="02070309020205020404" pitchFamily="49" charset="0"/>
-              <a:buChar char="o"/>
-            </a:pPr>
-            <a:endParaRPr lang="en-US" dirty="0">
-              <a:latin typeface="STIXNonUnicode-Regular" pitchFamily="2" charset="2"/>
-            </a:endParaRPr>
-          </a:p>
-          <a:p>
-            <a:pPr algn="l">
-              <a:lnSpc>
-                <a:spcPct val="150000"/>
-              </a:lnSpc>
-              <a:buFont typeface="Arial" panose="020B0604020202020204" pitchFamily="34" charset="0"/>
-              <a:buChar char="•"/>
-            </a:pPr>
-            <a:r>
-              <a:rPr lang="en-US" sz="1800" dirty="0">
-                <a:latin typeface="STIXNonUnicode-Regular" pitchFamily="2" charset="2"/>
-              </a:rPr>
-              <a:t>Chosen Parameters</a:t>
-            </a:r>
-          </a:p>
-          <a:p>
-            <a:pPr marL="952500" lvl="1" indent="-342900">
-              <a:buFont typeface="Courier New" panose="02070309020205020404" pitchFamily="49" charset="0"/>
-              <a:buChar char="o"/>
-            </a:pPr>
-            <a:r>
-              <a:rPr lang="en-US" sz="1600" dirty="0">
-                <a:latin typeface="STIXNonUnicode-Regular" pitchFamily="2" charset="2"/>
-              </a:rPr>
-              <a:t>Kernel : RBF</a:t>
-            </a:r>
-          </a:p>
-          <a:p>
-            <a:pPr marL="952500" lvl="1" indent="-342900">
-              <a:buFont typeface="Courier New" panose="02070309020205020404" pitchFamily="49" charset="0"/>
-              <a:buChar char="o"/>
-            </a:pPr>
-            <a:r>
-              <a:rPr lang="en-US" sz="1600" dirty="0">
-                <a:latin typeface="STIXNonUnicode-Regular" pitchFamily="2" charset="2"/>
-              </a:rPr>
-              <a:t>c = 10 (Penalty parameter)</a:t>
-            </a:r>
-          </a:p>
-          <a:p>
-            <a:pPr marL="952500" lvl="1" indent="-342900">
-              <a:buFont typeface="Courier New" panose="02070309020205020404" pitchFamily="49" charset="0"/>
-              <a:buChar char="o"/>
-            </a:pPr>
-            <a:r>
-              <a:rPr lang="en-US" sz="1600" dirty="0">
-                <a:latin typeface="STIXNonUnicode-Regular" pitchFamily="2" charset="2"/>
-              </a:rPr>
-              <a:t>gamma = 0.0001 (Kernel coefficient)</a:t>
-            </a:r>
-          </a:p>
-        </p:txBody>
-      </p:sp>
-      <p:sp>
-        <p:nvSpPr>
-          <p:cNvPr id="7" name="Google Shape;183;p32">
-            <a:extLst>
-              <a:ext uri="{FF2B5EF4-FFF2-40B4-BE49-F238E27FC236}">
-                <a16:creationId xmlns:a16="http://schemas.microsoft.com/office/drawing/2014/main" id="{77FB4702-2219-6D4E-9DD7-25F59B2C9BBC}"/>
-              </a:ext>
-            </a:extLst>
-          </p:cNvPr>
-          <p:cNvSpPr txBox="1">
-            <a:spLocks/>
-          </p:cNvSpPr>
-          <p:nvPr/>
-        </p:nvSpPr>
-        <p:spPr>
-          <a:xfrm>
-            <a:off x="4527128" y="925837"/>
-            <a:ext cx="4139793" cy="434886"/>
-          </a:xfrm>
-          <a:prstGeom prst="rect">
-            <a:avLst/>
-          </a:prstGeom>
-          <a:noFill/>
-          <a:ln>
-            <a:noFill/>
-          </a:ln>
-        </p:spPr>
-        <p:txBody>
-          <a:bodyPr spcFirstLastPara="1" wrap="square" lIns="91425" tIns="91425" rIns="91425" bIns="91425" anchor="b" anchorCtr="0">
-            <a:noAutofit/>
-          </a:bodyPr>
-          <a:lstStyle>
-            <a:defPPr marR="0" lvl="0" algn="l" rtl="0">
-              <a:lnSpc>
-                <a:spcPct val="100000"/>
-              </a:lnSpc>
-              <a:spcBef>
-                <a:spcPts val="0"/>
-              </a:spcBef>
-              <a:spcAft>
-                <a:spcPts val="0"/>
-              </a:spcAft>
-            </a:defPPr>
-            <a:lvl1pPr marR="0" lvl="0" algn="ctr" rtl="0">
-              <a:lnSpc>
-                <a:spcPct val="100000"/>
-              </a:lnSpc>
-              <a:spcBef>
-                <a:spcPts val="0"/>
-              </a:spcBef>
-              <a:spcAft>
-                <a:spcPts val="0"/>
-              </a:spcAft>
-              <a:buClr>
-                <a:schemeClr val="dk1"/>
-              </a:buClr>
-              <a:buSzPts val="2800"/>
-              <a:buFont typeface="Exo 2"/>
-              <a:buNone/>
-              <a:defRPr sz="2800" b="1" i="0" u="none" strike="noStrike" cap="none">
-                <a:solidFill>
-                  <a:schemeClr val="dk1"/>
-                </a:solidFill>
-                <a:latin typeface="Exo 2"/>
-                <a:ea typeface="Exo 2"/>
-                <a:cs typeface="Exo 2"/>
-                <a:sym typeface="Exo 2"/>
-              </a:defRPr>
-            </a:lvl1pPr>
-            <a:lvl2pPr marR="0" lvl="1" algn="l" rtl="0">
-              <a:lnSpc>
-                <a:spcPct val="100000"/>
-              </a:lnSpc>
-              <a:spcBef>
-                <a:spcPts val="0"/>
-              </a:spcBef>
-              <a:spcAft>
-                <a:spcPts val="0"/>
-              </a:spcAft>
-              <a:buClr>
-                <a:srgbClr val="000000"/>
-              </a:buClr>
-              <a:buSzPts val="1600"/>
-              <a:buFont typeface="Squada One"/>
-              <a:buNone/>
-              <a:defRPr sz="1600" b="0" i="0" u="none" strike="noStrike" cap="none">
-                <a:solidFill>
-                  <a:srgbClr val="000000"/>
-                </a:solidFill>
-                <a:latin typeface="Squada One"/>
-                <a:ea typeface="Squada One"/>
-                <a:cs typeface="Squada One"/>
-                <a:sym typeface="Squada One"/>
-              </a:defRPr>
-            </a:lvl2pPr>
-            <a:lvl3pPr marR="0" lvl="2" algn="l" rtl="0">
-              <a:lnSpc>
-                <a:spcPct val="100000"/>
-              </a:lnSpc>
-              <a:spcBef>
-                <a:spcPts val="0"/>
-              </a:spcBef>
-              <a:spcAft>
-                <a:spcPts val="0"/>
-              </a:spcAft>
-              <a:buClr>
-                <a:srgbClr val="000000"/>
-              </a:buClr>
-              <a:buSzPts val="1600"/>
-              <a:buFont typeface="Squada One"/>
-              <a:buNone/>
-              <a:defRPr sz="1600" b="0" i="0" u="none" strike="noStrike" cap="none">
-                <a:solidFill>
-                  <a:srgbClr val="000000"/>
-                </a:solidFill>
-                <a:latin typeface="Squada One"/>
-                <a:ea typeface="Squada One"/>
-                <a:cs typeface="Squada One"/>
-                <a:sym typeface="Squada One"/>
-              </a:defRPr>
-            </a:lvl3pPr>
-            <a:lvl4pPr marR="0" lvl="3" algn="l" rtl="0">
-              <a:lnSpc>
-                <a:spcPct val="100000"/>
-              </a:lnSpc>
-              <a:spcBef>
-                <a:spcPts val="0"/>
-              </a:spcBef>
-              <a:spcAft>
-                <a:spcPts val="0"/>
-              </a:spcAft>
-              <a:buClr>
-                <a:srgbClr val="000000"/>
-              </a:buClr>
-              <a:buSzPts val="1600"/>
-              <a:buFont typeface="Squada One"/>
-              <a:buNone/>
-              <a:defRPr sz="1600" b="0" i="0" u="none" strike="noStrike" cap="none">
-                <a:solidFill>
-                  <a:srgbClr val="000000"/>
-                </a:solidFill>
-                <a:latin typeface="Squada One"/>
-                <a:ea typeface="Squada One"/>
-                <a:cs typeface="Squada One"/>
-                <a:sym typeface="Squada One"/>
-              </a:defRPr>
-            </a:lvl4pPr>
-            <a:lvl5pPr marR="0" lvl="4" algn="l" rtl="0">
-              <a:lnSpc>
-                <a:spcPct val="100000"/>
-              </a:lnSpc>
-              <a:spcBef>
-                <a:spcPts val="0"/>
-              </a:spcBef>
-              <a:spcAft>
-                <a:spcPts val="0"/>
-              </a:spcAft>
-              <a:buClr>
-                <a:srgbClr val="000000"/>
-              </a:buClr>
-              <a:buSzPts val="1600"/>
-              <a:buFont typeface="Squada One"/>
-              <a:buNone/>
-              <a:defRPr sz="1600" b="0" i="0" u="none" strike="noStrike" cap="none">
-                <a:solidFill>
-                  <a:srgbClr val="000000"/>
-                </a:solidFill>
-                <a:latin typeface="Squada One"/>
-                <a:ea typeface="Squada One"/>
-                <a:cs typeface="Squada One"/>
-                <a:sym typeface="Squada One"/>
-              </a:defRPr>
-            </a:lvl5pPr>
-            <a:lvl6pPr marR="0" lvl="5" algn="l" rtl="0">
-              <a:lnSpc>
-                <a:spcPct val="100000"/>
-              </a:lnSpc>
-              <a:spcBef>
-                <a:spcPts val="0"/>
-              </a:spcBef>
-              <a:spcAft>
-                <a:spcPts val="0"/>
-              </a:spcAft>
-              <a:buClr>
-                <a:srgbClr val="000000"/>
-              </a:buClr>
-              <a:buSzPts val="1600"/>
-              <a:buFont typeface="Squada One"/>
-              <a:buNone/>
-              <a:defRPr sz="1600" b="0" i="0" u="none" strike="noStrike" cap="none">
-                <a:solidFill>
-                  <a:srgbClr val="000000"/>
-                </a:solidFill>
-                <a:latin typeface="Squada One"/>
-                <a:ea typeface="Squada One"/>
-                <a:cs typeface="Squada One"/>
-                <a:sym typeface="Squada One"/>
-              </a:defRPr>
-            </a:lvl6pPr>
-            <a:lvl7pPr marR="0" lvl="6" algn="l" rtl="0">
-              <a:lnSpc>
-                <a:spcPct val="100000"/>
-              </a:lnSpc>
-              <a:spcBef>
-                <a:spcPts val="0"/>
-              </a:spcBef>
-              <a:spcAft>
-                <a:spcPts val="0"/>
-              </a:spcAft>
-              <a:buClr>
-                <a:srgbClr val="000000"/>
-              </a:buClr>
-              <a:buSzPts val="1600"/>
-              <a:buFont typeface="Squada One"/>
-              <a:buNone/>
-              <a:defRPr sz="1600" b="0" i="0" u="none" strike="noStrike" cap="none">
-                <a:solidFill>
-                  <a:srgbClr val="000000"/>
-                </a:solidFill>
-                <a:latin typeface="Squada One"/>
-                <a:ea typeface="Squada One"/>
-                <a:cs typeface="Squada One"/>
-                <a:sym typeface="Squada One"/>
-              </a:defRPr>
-            </a:lvl7pPr>
-            <a:lvl8pPr marR="0" lvl="7" algn="l" rtl="0">
-              <a:lnSpc>
-                <a:spcPct val="100000"/>
-              </a:lnSpc>
-              <a:spcBef>
-                <a:spcPts val="0"/>
-              </a:spcBef>
-              <a:spcAft>
-                <a:spcPts val="0"/>
-              </a:spcAft>
-              <a:buClr>
-                <a:srgbClr val="000000"/>
-              </a:buClr>
-              <a:buSzPts val="1600"/>
-              <a:buFont typeface="Squada One"/>
-              <a:buNone/>
-              <a:defRPr sz="1600" b="0" i="0" u="none" strike="noStrike" cap="none">
-                <a:solidFill>
-                  <a:srgbClr val="000000"/>
-                </a:solidFill>
-                <a:latin typeface="Squada One"/>
-                <a:ea typeface="Squada One"/>
-                <a:cs typeface="Squada One"/>
-                <a:sym typeface="Squada One"/>
-              </a:defRPr>
-            </a:lvl8pPr>
-            <a:lvl9pPr marR="0" lvl="8" algn="l" rtl="0">
-              <a:lnSpc>
-                <a:spcPct val="100000"/>
-              </a:lnSpc>
-              <a:spcBef>
-                <a:spcPts val="0"/>
-              </a:spcBef>
-              <a:spcAft>
-                <a:spcPts val="0"/>
-              </a:spcAft>
-              <a:buClr>
-                <a:srgbClr val="000000"/>
-              </a:buClr>
-              <a:buSzPts val="1600"/>
-              <a:buFont typeface="Squada One"/>
-              <a:buNone/>
-              <a:defRPr sz="1600" b="0" i="0" u="none" strike="noStrike" cap="none">
-                <a:solidFill>
-                  <a:srgbClr val="000000"/>
-                </a:solidFill>
-                <a:latin typeface="Squada One"/>
-                <a:ea typeface="Squada One"/>
-                <a:cs typeface="Squada One"/>
-                <a:sym typeface="Squada One"/>
-              </a:defRPr>
-            </a:lvl9pPr>
-          </a:lstStyle>
-          <a:p>
-            <a:pPr algn="l"/>
-            <a:r>
-              <a:rPr lang="en-US" sz="1800" dirty="0">
-                <a:latin typeface="STIXNonUnicode-Regular" pitchFamily="2" charset="2"/>
-              </a:rPr>
-              <a:t>Convolutional Neural Network (CNN)</a:t>
-            </a:r>
-          </a:p>
-        </p:txBody>
-      </p:sp>
-      <p:sp>
-        <p:nvSpPr>
-          <p:cNvPr id="5" name="Oval 4">
-            <a:extLst>
-              <a:ext uri="{FF2B5EF4-FFF2-40B4-BE49-F238E27FC236}">
-                <a16:creationId xmlns:a16="http://schemas.microsoft.com/office/drawing/2014/main" id="{7C6AC3D4-55B6-9E49-AFF8-D90702FE3022}"/>
-              </a:ext>
-            </a:extLst>
-          </p:cNvPr>
-          <p:cNvSpPr/>
-          <p:nvPr/>
-        </p:nvSpPr>
-        <p:spPr>
-          <a:xfrm>
-            <a:off x="304575" y="756228"/>
-            <a:ext cx="1800000" cy="1800000"/>
-          </a:xfrm>
-          <a:prstGeom prst="ellipse">
-            <a:avLst/>
-          </a:prstGeom>
-          <a:solidFill>
-            <a:schemeClr val="accent1">
-              <a:alpha val="93000"/>
-            </a:schemeClr>
-          </a:solidFill>
-          <a:ln>
-            <a:noFill/>
-          </a:ln>
-        </p:spPr>
-        <p:style>
-          <a:lnRef idx="2">
-            <a:schemeClr val="accent1">
-              <a:shade val="50000"/>
-            </a:schemeClr>
-          </a:lnRef>
-          <a:fillRef idx="1">
-            <a:schemeClr val="accent1"/>
-          </a:fillRef>
-          <a:effectRef idx="0">
-            <a:schemeClr val="accent1"/>
-          </a:effectRef>
-          <a:fontRef idx="minor">
-            <a:schemeClr val="lt1"/>
-          </a:fontRef>
-        </p:style>
-        <p:txBody>
-          <a:bodyPr rtlCol="0" anchor="ctr"/>
-          <a:lstStyle/>
-          <a:p>
-            <a:pPr algn="ctr"/>
-            <a:r>
-              <a:rPr lang="en-US" sz="1800" b="1" dirty="0">
-                <a:latin typeface="STIXNonUnicode-Regular" pitchFamily="2" charset="2"/>
-              </a:rPr>
-              <a:t>Test Accuracy</a:t>
-            </a:r>
-          </a:p>
-          <a:p>
-            <a:pPr algn="ctr"/>
-            <a:endParaRPr lang="en-US" sz="1200" b="1" dirty="0">
-              <a:latin typeface="STIXNonUnicode-Regular" pitchFamily="2" charset="2"/>
-            </a:endParaRPr>
-          </a:p>
-          <a:p>
-            <a:pPr algn="ctr"/>
-            <a:r>
-              <a:rPr lang="en-US" sz="1800" b="1" dirty="0">
-                <a:latin typeface="STIXNonUnicode-Regular" pitchFamily="2" charset="2"/>
-              </a:rPr>
-              <a:t>00%</a:t>
-            </a:r>
-          </a:p>
-        </p:txBody>
-      </p:sp>
-      <p:sp>
-        <p:nvSpPr>
-          <p:cNvPr id="14" name="Oval 13">
-            <a:extLst>
-              <a:ext uri="{FF2B5EF4-FFF2-40B4-BE49-F238E27FC236}">
-                <a16:creationId xmlns:a16="http://schemas.microsoft.com/office/drawing/2014/main" id="{FC49335E-914B-0D49-9119-CA7C0F8F878C}"/>
-              </a:ext>
-            </a:extLst>
-          </p:cNvPr>
-          <p:cNvSpPr/>
-          <p:nvPr/>
-        </p:nvSpPr>
-        <p:spPr>
-          <a:xfrm>
-            <a:off x="1941036" y="1017475"/>
-            <a:ext cx="2340000" cy="2340000"/>
-          </a:xfrm>
-          <a:prstGeom prst="ellipse">
-            <a:avLst/>
-          </a:prstGeom>
-          <a:solidFill>
-            <a:schemeClr val="accent1">
-              <a:alpha val="74000"/>
-            </a:schemeClr>
-          </a:solidFill>
-          <a:ln>
-            <a:noFill/>
-          </a:ln>
-        </p:spPr>
-        <p:style>
-          <a:lnRef idx="2">
-            <a:schemeClr val="accent1">
-              <a:shade val="50000"/>
-            </a:schemeClr>
-          </a:lnRef>
-          <a:fillRef idx="1">
-            <a:schemeClr val="accent1"/>
-          </a:fillRef>
-          <a:effectRef idx="0">
-            <a:schemeClr val="accent1"/>
-          </a:effectRef>
-          <a:fontRef idx="minor">
-            <a:schemeClr val="lt1"/>
-          </a:fontRef>
-        </p:style>
-        <p:txBody>
-          <a:bodyPr rtlCol="0" anchor="ctr"/>
-          <a:lstStyle/>
-          <a:p>
-            <a:pPr algn="ctr"/>
-            <a:r>
-              <a:rPr lang="en-US" sz="1800" b="1" dirty="0">
-                <a:latin typeface="STIXNonUnicode-Regular" pitchFamily="2" charset="2"/>
-              </a:rPr>
-              <a:t>Train Accuracy</a:t>
-            </a:r>
-          </a:p>
-          <a:p>
-            <a:pPr algn="ctr"/>
-            <a:endParaRPr lang="en-US" sz="1200" b="1" dirty="0">
-              <a:latin typeface="STIXNonUnicode-Regular" pitchFamily="2" charset="2"/>
-            </a:endParaRPr>
-          </a:p>
-          <a:p>
-            <a:pPr algn="ctr"/>
-            <a:r>
-              <a:rPr lang="en-US" sz="1800" b="1" dirty="0">
-                <a:latin typeface="STIXNonUnicode-Regular" pitchFamily="2" charset="2"/>
-              </a:rPr>
-              <a:t>00%</a:t>
-            </a:r>
-          </a:p>
-        </p:txBody>
-      </p:sp>
-      <p:sp>
-        <p:nvSpPr>
-          <p:cNvPr id="15" name="Oval 14">
-            <a:extLst>
-              <a:ext uri="{FF2B5EF4-FFF2-40B4-BE49-F238E27FC236}">
-                <a16:creationId xmlns:a16="http://schemas.microsoft.com/office/drawing/2014/main" id="{00324891-FC02-4340-B4D6-50D374574985}"/>
-              </a:ext>
-            </a:extLst>
-          </p:cNvPr>
-          <p:cNvSpPr/>
-          <p:nvPr/>
-        </p:nvSpPr>
-        <p:spPr>
-          <a:xfrm>
-            <a:off x="2923991" y="3095517"/>
-            <a:ext cx="1260000" cy="1260000"/>
-          </a:xfrm>
-          <a:prstGeom prst="ellipse">
-            <a:avLst/>
-          </a:prstGeom>
-          <a:solidFill>
-            <a:schemeClr val="accent1">
-              <a:alpha val="50000"/>
-            </a:schemeClr>
-          </a:solidFill>
-          <a:ln>
-            <a:noFill/>
-          </a:ln>
-        </p:spPr>
-        <p:style>
-          <a:lnRef idx="2">
-            <a:schemeClr val="accent1">
-              <a:shade val="50000"/>
-            </a:schemeClr>
-          </a:lnRef>
-          <a:fillRef idx="1">
-            <a:schemeClr val="accent1"/>
-          </a:fillRef>
-          <a:effectRef idx="0">
-            <a:schemeClr val="accent1"/>
-          </a:effectRef>
-          <a:fontRef idx="minor">
-            <a:schemeClr val="lt1"/>
-          </a:fontRef>
-        </p:style>
-        <p:txBody>
-          <a:bodyPr rtlCol="0" anchor="ctr"/>
-          <a:lstStyle/>
-          <a:p>
-            <a:pPr algn="ctr"/>
-            <a:r>
-              <a:rPr lang="en-US" sz="1200" b="1" dirty="0">
-                <a:latin typeface="STIXNonUnicode-Regular" pitchFamily="2" charset="2"/>
-              </a:rPr>
-              <a:t>Training Time</a:t>
-            </a:r>
-          </a:p>
-          <a:p>
-            <a:pPr algn="ctr"/>
-            <a:endParaRPr lang="en-US" sz="1000" b="1" dirty="0">
-              <a:latin typeface="STIXNonUnicode-Regular" pitchFamily="2" charset="2"/>
-            </a:endParaRPr>
-          </a:p>
-          <a:p>
-            <a:pPr algn="ctr"/>
-            <a:r>
-              <a:rPr lang="en-US" sz="1200" b="1" dirty="0">
-                <a:latin typeface="STIXNonUnicode-Regular" pitchFamily="2" charset="2"/>
-              </a:rPr>
-              <a:t>00s</a:t>
-            </a:r>
-          </a:p>
-        </p:txBody>
-      </p:sp>
-      <p:sp>
-        <p:nvSpPr>
-          <p:cNvPr id="16" name="Oval 15">
-            <a:extLst>
-              <a:ext uri="{FF2B5EF4-FFF2-40B4-BE49-F238E27FC236}">
-                <a16:creationId xmlns:a16="http://schemas.microsoft.com/office/drawing/2014/main" id="{AEC9F632-75E0-6D4E-82F6-57DE9549A1ED}"/>
-              </a:ext>
-            </a:extLst>
-          </p:cNvPr>
-          <p:cNvSpPr/>
-          <p:nvPr/>
-        </p:nvSpPr>
-        <p:spPr>
-          <a:xfrm>
-            <a:off x="1074283" y="2384095"/>
-            <a:ext cx="1080000" cy="1080000"/>
-          </a:xfrm>
-          <a:prstGeom prst="ellipse">
-            <a:avLst/>
-          </a:prstGeom>
-          <a:solidFill>
-            <a:schemeClr val="accent1">
-              <a:alpha val="80000"/>
-            </a:schemeClr>
-          </a:solidFill>
-          <a:ln>
-            <a:noFill/>
-          </a:ln>
-        </p:spPr>
-        <p:style>
-          <a:lnRef idx="2">
-            <a:schemeClr val="accent1">
-              <a:shade val="50000"/>
-            </a:schemeClr>
-          </a:lnRef>
-          <a:fillRef idx="1">
-            <a:schemeClr val="accent1"/>
-          </a:fillRef>
-          <a:effectRef idx="0">
-            <a:schemeClr val="accent1"/>
-          </a:effectRef>
-          <a:fontRef idx="minor">
-            <a:schemeClr val="lt1"/>
-          </a:fontRef>
-        </p:style>
-        <p:txBody>
-          <a:bodyPr rtlCol="0" anchor="ctr"/>
-          <a:lstStyle/>
-          <a:p>
-            <a:pPr algn="ctr"/>
-            <a:r>
-              <a:rPr lang="en-US" sz="900" b="1" dirty="0">
-                <a:latin typeface="STIXNonUnicode-Regular" pitchFamily="2" charset="2"/>
-              </a:rPr>
-              <a:t>Predicting</a:t>
-            </a:r>
-          </a:p>
-          <a:p>
-            <a:pPr algn="ctr"/>
-            <a:r>
-              <a:rPr lang="en-US" sz="900" b="1" dirty="0">
-                <a:latin typeface="STIXNonUnicode-Regular" pitchFamily="2" charset="2"/>
-              </a:rPr>
-              <a:t>Time</a:t>
-            </a:r>
-          </a:p>
-          <a:p>
-            <a:pPr algn="ctr"/>
-            <a:endParaRPr lang="en-US" sz="600" b="1" dirty="0">
-              <a:latin typeface="STIXNonUnicode-Regular" pitchFamily="2" charset="2"/>
-            </a:endParaRPr>
-          </a:p>
-          <a:p>
-            <a:pPr algn="ctr"/>
-            <a:r>
-              <a:rPr lang="en-US" sz="900" b="1" dirty="0">
-                <a:latin typeface="STIXNonUnicode-Regular" pitchFamily="2" charset="2"/>
-              </a:rPr>
-              <a:t>00s</a:t>
-            </a:r>
-          </a:p>
-        </p:txBody>
-      </p:sp>
-      <p:cxnSp>
-        <p:nvCxnSpPr>
-          <p:cNvPr id="17" name="Google Shape;186;p32">
-            <a:extLst>
-              <a:ext uri="{FF2B5EF4-FFF2-40B4-BE49-F238E27FC236}">
-                <a16:creationId xmlns:a16="http://schemas.microsoft.com/office/drawing/2014/main" id="{86BA26D1-7C8F-9D43-8738-697C01E34859}"/>
-              </a:ext>
-            </a:extLst>
-          </p:cNvPr>
-          <p:cNvCxnSpPr/>
-          <p:nvPr/>
-        </p:nvCxnSpPr>
-        <p:spPr>
-          <a:xfrm>
-            <a:off x="0" y="4596687"/>
-            <a:ext cx="4574400" cy="0"/>
-          </a:xfrm>
-          <a:prstGeom prst="straightConnector1">
-            <a:avLst/>
-          </a:prstGeom>
-          <a:noFill/>
-          <a:ln w="9525" cap="flat" cmpd="sng">
-            <a:solidFill>
-              <a:schemeClr val="dk1"/>
-            </a:solidFill>
-            <a:prstDash val="solid"/>
-            <a:round/>
-            <a:headEnd type="none" w="med" len="med"/>
-            <a:tailEnd type="none" w="med" len="med"/>
-          </a:ln>
-        </p:spPr>
-      </p:cxnSp>
-      <p:sp>
-        <p:nvSpPr>
-          <p:cNvPr id="18" name="Google Shape;183;p32">
-            <a:extLst>
-              <a:ext uri="{FF2B5EF4-FFF2-40B4-BE49-F238E27FC236}">
-                <a16:creationId xmlns:a16="http://schemas.microsoft.com/office/drawing/2014/main" id="{B5D5E076-2EFF-BF44-B4CF-7F9E490266DD}"/>
-              </a:ext>
-            </a:extLst>
-          </p:cNvPr>
-          <p:cNvSpPr txBox="1">
-            <a:spLocks/>
-          </p:cNvSpPr>
-          <p:nvPr/>
-        </p:nvSpPr>
-        <p:spPr>
-          <a:xfrm>
-            <a:off x="-636729" y="4668474"/>
-            <a:ext cx="3170118" cy="434886"/>
-          </a:xfrm>
-          <a:prstGeom prst="rect">
-            <a:avLst/>
-          </a:prstGeom>
-          <a:noFill/>
-          <a:ln>
-            <a:noFill/>
-          </a:ln>
-        </p:spPr>
-        <p:txBody>
-          <a:bodyPr spcFirstLastPara="1" wrap="square" lIns="91425" tIns="91425" rIns="91425" bIns="91425" anchor="b" anchorCtr="0">
-            <a:noAutofit/>
-          </a:bodyPr>
-          <a:lstStyle>
-            <a:defPPr marR="0" lvl="0" algn="l" rtl="0">
-              <a:lnSpc>
-                <a:spcPct val="100000"/>
-              </a:lnSpc>
-              <a:spcBef>
-                <a:spcPts val="0"/>
-              </a:spcBef>
-              <a:spcAft>
-                <a:spcPts val="0"/>
-              </a:spcAft>
-            </a:defPPr>
-            <a:lvl1pPr marR="0" lvl="0" algn="ctr" rtl="0">
-              <a:lnSpc>
-                <a:spcPct val="100000"/>
-              </a:lnSpc>
-              <a:spcBef>
-                <a:spcPts val="0"/>
-              </a:spcBef>
-              <a:spcAft>
-                <a:spcPts val="0"/>
-              </a:spcAft>
-              <a:buClr>
-                <a:schemeClr val="dk1"/>
-              </a:buClr>
-              <a:buSzPts val="2800"/>
-              <a:buFont typeface="Exo 2"/>
-              <a:buNone/>
-              <a:defRPr sz="2800" b="1" i="0" u="none" strike="noStrike" cap="none">
-                <a:solidFill>
-                  <a:schemeClr val="dk1"/>
-                </a:solidFill>
-                <a:latin typeface="Exo 2"/>
-                <a:ea typeface="Exo 2"/>
-                <a:cs typeface="Exo 2"/>
-                <a:sym typeface="Exo 2"/>
-              </a:defRPr>
-            </a:lvl1pPr>
-            <a:lvl2pPr marR="0" lvl="1" algn="l" rtl="0">
-              <a:lnSpc>
-                <a:spcPct val="100000"/>
-              </a:lnSpc>
-              <a:spcBef>
-                <a:spcPts val="0"/>
-              </a:spcBef>
-              <a:spcAft>
-                <a:spcPts val="0"/>
-              </a:spcAft>
-              <a:buClr>
-                <a:srgbClr val="000000"/>
-              </a:buClr>
-              <a:buSzPts val="1600"/>
-              <a:buFont typeface="Squada One"/>
-              <a:buNone/>
-              <a:defRPr sz="1600" b="0" i="0" u="none" strike="noStrike" cap="none">
-                <a:solidFill>
-                  <a:srgbClr val="000000"/>
-                </a:solidFill>
-                <a:latin typeface="Squada One"/>
-                <a:ea typeface="Squada One"/>
-                <a:cs typeface="Squada One"/>
-                <a:sym typeface="Squada One"/>
-              </a:defRPr>
-            </a:lvl2pPr>
-            <a:lvl3pPr marR="0" lvl="2" algn="l" rtl="0">
-              <a:lnSpc>
-                <a:spcPct val="100000"/>
-              </a:lnSpc>
-              <a:spcBef>
-                <a:spcPts val="0"/>
-              </a:spcBef>
-              <a:spcAft>
-                <a:spcPts val="0"/>
-              </a:spcAft>
-              <a:buClr>
-                <a:srgbClr val="000000"/>
-              </a:buClr>
-              <a:buSzPts val="1600"/>
-              <a:buFont typeface="Squada One"/>
-              <a:buNone/>
-              <a:defRPr sz="1600" b="0" i="0" u="none" strike="noStrike" cap="none">
-                <a:solidFill>
-                  <a:srgbClr val="000000"/>
-                </a:solidFill>
-                <a:latin typeface="Squada One"/>
-                <a:ea typeface="Squada One"/>
-                <a:cs typeface="Squada One"/>
-                <a:sym typeface="Squada One"/>
-              </a:defRPr>
-            </a:lvl3pPr>
-            <a:lvl4pPr marR="0" lvl="3" algn="l" rtl="0">
-              <a:lnSpc>
-                <a:spcPct val="100000"/>
-              </a:lnSpc>
-              <a:spcBef>
-                <a:spcPts val="0"/>
-              </a:spcBef>
-              <a:spcAft>
-                <a:spcPts val="0"/>
-              </a:spcAft>
-              <a:buClr>
-                <a:srgbClr val="000000"/>
-              </a:buClr>
-              <a:buSzPts val="1600"/>
-              <a:buFont typeface="Squada One"/>
-              <a:buNone/>
-              <a:defRPr sz="1600" b="0" i="0" u="none" strike="noStrike" cap="none">
-                <a:solidFill>
-                  <a:srgbClr val="000000"/>
-                </a:solidFill>
-                <a:latin typeface="Squada One"/>
-                <a:ea typeface="Squada One"/>
-                <a:cs typeface="Squada One"/>
-                <a:sym typeface="Squada One"/>
-              </a:defRPr>
-            </a:lvl4pPr>
-            <a:lvl5pPr marR="0" lvl="4" algn="l" rtl="0">
-              <a:lnSpc>
-                <a:spcPct val="100000"/>
-              </a:lnSpc>
-              <a:spcBef>
-                <a:spcPts val="0"/>
-              </a:spcBef>
-              <a:spcAft>
-                <a:spcPts val="0"/>
-              </a:spcAft>
-              <a:buClr>
-                <a:srgbClr val="000000"/>
-              </a:buClr>
-              <a:buSzPts val="1600"/>
-              <a:buFont typeface="Squada One"/>
-              <a:buNone/>
-              <a:defRPr sz="1600" b="0" i="0" u="none" strike="noStrike" cap="none">
-                <a:solidFill>
-                  <a:srgbClr val="000000"/>
-                </a:solidFill>
-                <a:latin typeface="Squada One"/>
-                <a:ea typeface="Squada One"/>
-                <a:cs typeface="Squada One"/>
-                <a:sym typeface="Squada One"/>
-              </a:defRPr>
-            </a:lvl5pPr>
-            <a:lvl6pPr marR="0" lvl="5" algn="l" rtl="0">
-              <a:lnSpc>
-                <a:spcPct val="100000"/>
-              </a:lnSpc>
-              <a:spcBef>
-                <a:spcPts val="0"/>
-              </a:spcBef>
-              <a:spcAft>
-                <a:spcPts val="0"/>
-              </a:spcAft>
-              <a:buClr>
-                <a:srgbClr val="000000"/>
-              </a:buClr>
-              <a:buSzPts val="1600"/>
-              <a:buFont typeface="Squada One"/>
-              <a:buNone/>
-              <a:defRPr sz="1600" b="0" i="0" u="none" strike="noStrike" cap="none">
-                <a:solidFill>
-                  <a:srgbClr val="000000"/>
-                </a:solidFill>
-                <a:latin typeface="Squada One"/>
-                <a:ea typeface="Squada One"/>
-                <a:cs typeface="Squada One"/>
-                <a:sym typeface="Squada One"/>
-              </a:defRPr>
-            </a:lvl6pPr>
-            <a:lvl7pPr marR="0" lvl="6" algn="l" rtl="0">
-              <a:lnSpc>
-                <a:spcPct val="100000"/>
-              </a:lnSpc>
-              <a:spcBef>
-                <a:spcPts val="0"/>
-              </a:spcBef>
-              <a:spcAft>
-                <a:spcPts val="0"/>
-              </a:spcAft>
-              <a:buClr>
-                <a:srgbClr val="000000"/>
-              </a:buClr>
-              <a:buSzPts val="1600"/>
-              <a:buFont typeface="Squada One"/>
-              <a:buNone/>
-              <a:defRPr sz="1600" b="0" i="0" u="none" strike="noStrike" cap="none">
-                <a:solidFill>
-                  <a:srgbClr val="000000"/>
-                </a:solidFill>
-                <a:latin typeface="Squada One"/>
-                <a:ea typeface="Squada One"/>
-                <a:cs typeface="Squada One"/>
-                <a:sym typeface="Squada One"/>
-              </a:defRPr>
-            </a:lvl7pPr>
-            <a:lvl8pPr marR="0" lvl="7" algn="l" rtl="0">
-              <a:lnSpc>
-                <a:spcPct val="100000"/>
-              </a:lnSpc>
-              <a:spcBef>
-                <a:spcPts val="0"/>
-              </a:spcBef>
-              <a:spcAft>
-                <a:spcPts val="0"/>
-              </a:spcAft>
-              <a:buClr>
-                <a:srgbClr val="000000"/>
-              </a:buClr>
-              <a:buSzPts val="1600"/>
-              <a:buFont typeface="Squada One"/>
-              <a:buNone/>
-              <a:defRPr sz="1600" b="0" i="0" u="none" strike="noStrike" cap="none">
-                <a:solidFill>
-                  <a:srgbClr val="000000"/>
-                </a:solidFill>
-                <a:latin typeface="Squada One"/>
-                <a:ea typeface="Squada One"/>
-                <a:cs typeface="Squada One"/>
-                <a:sym typeface="Squada One"/>
-              </a:defRPr>
-            </a:lvl8pPr>
-            <a:lvl9pPr marR="0" lvl="8" algn="l" rtl="0">
-              <a:lnSpc>
-                <a:spcPct val="100000"/>
-              </a:lnSpc>
-              <a:spcBef>
-                <a:spcPts val="0"/>
-              </a:spcBef>
-              <a:spcAft>
-                <a:spcPts val="0"/>
-              </a:spcAft>
-              <a:buClr>
-                <a:srgbClr val="000000"/>
-              </a:buClr>
-              <a:buSzPts val="1600"/>
-              <a:buFont typeface="Squada One"/>
-              <a:buNone/>
-              <a:defRPr sz="1600" b="0" i="0" u="none" strike="noStrike" cap="none">
-                <a:solidFill>
-                  <a:srgbClr val="000000"/>
-                </a:solidFill>
-                <a:latin typeface="Squada One"/>
-                <a:ea typeface="Squada One"/>
-                <a:cs typeface="Squada One"/>
-                <a:sym typeface="Squada One"/>
-              </a:defRPr>
-            </a:lvl9pPr>
-          </a:lstStyle>
-          <a:p>
-            <a:r>
-              <a:rPr lang="en-US" sz="1800" dirty="0">
-                <a:latin typeface="STIXNonUnicode-Regular" pitchFamily="2" charset="2"/>
-              </a:rPr>
-              <a:t>Model Choices</a:t>
-            </a:r>
-          </a:p>
-        </p:txBody>
-      </p:sp>
-      <p:cxnSp>
-        <p:nvCxnSpPr>
-          <p:cNvPr id="19" name="Google Shape;185;p32">
-            <a:extLst>
-              <a:ext uri="{FF2B5EF4-FFF2-40B4-BE49-F238E27FC236}">
-                <a16:creationId xmlns:a16="http://schemas.microsoft.com/office/drawing/2014/main" id="{4BB90D97-F2CF-C64D-9F3F-147A442A0225}"/>
-              </a:ext>
-            </a:extLst>
-          </p:cNvPr>
-          <p:cNvCxnSpPr/>
-          <p:nvPr/>
-        </p:nvCxnSpPr>
-        <p:spPr>
-          <a:xfrm>
-            <a:off x="4569600" y="646864"/>
-            <a:ext cx="4574400" cy="0"/>
-          </a:xfrm>
-          <a:prstGeom prst="straightConnector1">
-            <a:avLst/>
-          </a:prstGeom>
-          <a:noFill/>
-          <a:ln w="9525" cap="flat" cmpd="sng">
-            <a:solidFill>
-              <a:schemeClr val="dk1"/>
-            </a:solidFill>
-            <a:prstDash val="solid"/>
-            <a:round/>
-            <a:headEnd type="none" w="med" len="med"/>
-            <a:tailEnd type="none" w="med" len="med"/>
-          </a:ln>
-        </p:spPr>
-      </p:cxnSp>
-    </p:spTree>
-    <p:extLst>
-      <p:ext uri="{BB962C8B-B14F-4D97-AF65-F5344CB8AC3E}">
-        <p14:creationId xmlns:p14="http://schemas.microsoft.com/office/powerpoint/2010/main" val="360020236"/>
-      </p:ext>
-    </p:extLst>
-  </p:cSld>
-  <p:clrMapOvr>
-    <a:masterClrMapping/>
-  </p:clrMapOvr>
-</p:sld>
-</file>
-
-<file path=ppt/slides/slide8.xml><?xml version="1.0" encoding="utf-8"?>
-<p:sld xmlns:a="http://schemas.openxmlformats.org/drawingml/2006/main" xmlns:r="http://schemas.openxmlformats.org/officeDocument/2006/relationships" xmlns:p="http://schemas.openxmlformats.org/presentationml/2006/main">
-  <p:cSld>
-    <p:spTree>
-      <p:nvGrpSpPr>
-        <p:cNvPr id="1" name="Shape 182"/>
-        <p:cNvGrpSpPr/>
-        <p:nvPr/>
-      </p:nvGrpSpPr>
-      <p:grpSpPr>
-        <a:xfrm>
-          <a:off x="0" y="0"/>
-          <a:ext cx="0" cy="0"/>
-          <a:chOff x="0" y="0"/>
-          <a:chExt cx="0" cy="0"/>
-        </a:xfrm>
-      </p:grpSpPr>
-      <p:sp>
-        <p:nvSpPr>
-          <p:cNvPr id="183" name="Google Shape;183;p32"/>
-          <p:cNvSpPr txBox="1">
-            <a:spLocks noGrp="1"/>
-          </p:cNvSpPr>
-          <p:nvPr>
-            <p:ph type="ctrTitle"/>
-          </p:nvPr>
-        </p:nvSpPr>
-        <p:spPr>
-          <a:xfrm>
-            <a:off x="2368335" y="71001"/>
-            <a:ext cx="4402530" cy="613441"/>
-          </a:xfrm>
-          <a:prstGeom prst="rect">
-            <a:avLst/>
-          </a:prstGeom>
-        </p:spPr>
-        <p:txBody>
-          <a:bodyPr spcFirstLastPara="1" wrap="square" lIns="91425" tIns="91425" rIns="91425" bIns="91425" anchor="b" anchorCtr="0">
-            <a:noAutofit/>
-          </a:bodyPr>
-          <a:lstStyle/>
-          <a:p>
-            <a:pPr marL="0" lvl="0" indent="0" algn="ctr" rtl="0">
-              <a:spcBef>
-                <a:spcPts val="0"/>
-              </a:spcBef>
-              <a:spcAft>
-                <a:spcPts val="0"/>
-              </a:spcAft>
-              <a:buNone/>
-            </a:pPr>
-            <a:r>
-              <a:rPr lang="en-US" sz="2800" dirty="0">
-                <a:latin typeface="STIXNonUnicode-Regular" pitchFamily="2" charset="2"/>
-              </a:rPr>
-              <a:t>02. Model Selection</a:t>
-            </a:r>
-            <a:endParaRPr sz="2800" dirty="0">
-              <a:latin typeface="STIXNonUnicode-Regular" pitchFamily="2" charset="2"/>
-            </a:endParaRPr>
-          </a:p>
-        </p:txBody>
-      </p:sp>
-      <p:sp>
-        <p:nvSpPr>
-          <p:cNvPr id="4" name="Subtitle 3">
-            <a:extLst>
-              <a:ext uri="{FF2B5EF4-FFF2-40B4-BE49-F238E27FC236}">
-                <a16:creationId xmlns:a16="http://schemas.microsoft.com/office/drawing/2014/main" id="{F25BF202-B79E-FA4F-96F0-78B383A98ACB}"/>
-              </a:ext>
-            </a:extLst>
-          </p:cNvPr>
-          <p:cNvSpPr>
-            <a:spLocks noGrp="1"/>
-          </p:cNvSpPr>
-          <p:nvPr>
-            <p:ph type="subTitle" idx="1"/>
-          </p:nvPr>
-        </p:nvSpPr>
-        <p:spPr>
-          <a:xfrm>
-            <a:off x="4661040" y="1372698"/>
-            <a:ext cx="4224900" cy="2878579"/>
-          </a:xfrm>
-        </p:spPr>
-        <p:txBody>
-          <a:bodyPr/>
-          <a:lstStyle/>
-          <a:p>
-            <a:pPr algn="l">
-              <a:lnSpc>
-                <a:spcPct val="150000"/>
-              </a:lnSpc>
-              <a:buFont typeface="Arial" panose="020B0604020202020204" pitchFamily="34" charset="0"/>
-              <a:buChar char="•"/>
-            </a:pPr>
-            <a:r>
-              <a:rPr lang="en-US" sz="1800" dirty="0">
-                <a:latin typeface="STIXNonUnicode-Regular" pitchFamily="2" charset="2"/>
-              </a:rPr>
-              <a:t>Why SVM?</a:t>
-            </a:r>
-          </a:p>
-          <a:p>
-            <a:pPr lvl="1">
-              <a:buFont typeface="Courier New" panose="02070309020205020404" pitchFamily="49" charset="0"/>
-              <a:buChar char="o"/>
-            </a:pPr>
-            <a:r>
-              <a:rPr lang="en-US" sz="1600" dirty="0">
-                <a:latin typeface="STIXNonUnicode-Regular" pitchFamily="2" charset="2"/>
-              </a:rPr>
-              <a:t>Effective in high dimensional spaces</a:t>
-            </a:r>
-          </a:p>
-          <a:p>
-            <a:pPr lvl="1">
-              <a:buFont typeface="Courier New" panose="02070309020205020404" pitchFamily="49" charset="0"/>
-              <a:buChar char="o"/>
-            </a:pPr>
-            <a:r>
-              <a:rPr lang="en-US" sz="1600" dirty="0">
-                <a:latin typeface="STIXNonUnicode-Regular" pitchFamily="2" charset="2"/>
-              </a:rPr>
               <a:t>Uses a subset of training points </a:t>
             </a:r>
             <a:r>
@@ -14730,7 +13477,7 @@
 </p:sld>
 </file>
 
-<file path=ppt/slides/slide9.xml><?xml version="1.0" encoding="utf-8"?>
+<file path=ppt/slides/slide8.xml><?xml version="1.0" encoding="utf-8"?>
 <p:sld xmlns:a="http://schemas.openxmlformats.org/drawingml/2006/main" xmlns:r="http://schemas.openxmlformats.org/officeDocument/2006/relationships" xmlns:p="http://schemas.openxmlformats.org/presentationml/2006/main">
   <p:cSld>
     <p:spTree>
@@ -14827,7 +13574,7 @@
         </p:nvCxnSpPr>
         <p:spPr>
           <a:xfrm>
-            <a:off x="0" y="4546583"/>
+            <a:off x="0" y="4580036"/>
             <a:ext cx="4574400" cy="0"/>
           </a:xfrm>
           <a:prstGeom prst="straightConnector1">
@@ -14861,8 +13608,8 @@
         </p:nvSpPr>
         <p:spPr>
           <a:xfrm>
-            <a:off x="-198318" y="4601446"/>
-            <a:ext cx="4541718" cy="434886"/>
+            <a:off x="58162" y="4630557"/>
+            <a:ext cx="1569918" cy="434886"/>
           </a:xfrm>
           <a:prstGeom prst="rect">
             <a:avLst/>
@@ -15124,11 +13871,12 @@
             </a:lvl9pPr>
           </a:lstStyle>
           <a:p>
+            <a:pPr algn="l"/>
             <a:r>
               <a:rPr lang="en-US" sz="1800" dirty="0">
                 <a:latin typeface="STIXNonUnicode-Regular" pitchFamily="2" charset="2"/>
               </a:rPr>
-              <a:t>Classification Models (Summary)</a:t>
+              <a:t>Summary</a:t>
             </a:r>
           </a:p>
         </p:txBody>
@@ -15148,14 +13896,14 @@
           <p:nvPr>
             <p:extLst>
               <p:ext uri="{D42A27DB-BD31-4B8C-83A1-F6EECF244321}">
-                <p14:modId xmlns:p14="http://schemas.microsoft.com/office/powerpoint/2010/main" val="1687084031"/>
+                <p14:modId xmlns:p14="http://schemas.microsoft.com/office/powerpoint/2010/main" val="1361050908"/>
               </p:ext>
             </p:extLst>
           </p:nvPr>
         </p:nvGraphicFramePr>
         <p:xfrm>
-          <a:off x="661683" y="1356438"/>
-          <a:ext cx="7815834" cy="2646849"/>
+          <a:off x="661683" y="1555924"/>
+          <a:ext cx="7815834" cy="2119177"/>
         </p:xfrm>
         <a:graphic>
           <a:graphicData uri="http://schemas.openxmlformats.org/drawingml/2006/table">
@@ -15211,10 +13959,56 @@
                         <a:tabLst/>
                         <a:defRPr/>
                       </a:pPr>
-                      <a:endParaRPr lang="en-US" sz="1400" b="1" dirty="0"/>
+                      <a:endParaRPr lang="en-US" sz="1400" b="1" dirty="0">
+                        <a:latin typeface="STIXNonUnicode-Regular" pitchFamily="2" charset="2"/>
+                      </a:endParaRPr>
                     </a:p>
                   </a:txBody>
                   <a:tcPr anchor="ctr">
+                    <a:lnL w="28575" cap="flat" cmpd="sng" algn="ctr">
+                      <a:solidFill>
+                        <a:schemeClr val="tx1"/>
+                      </a:solidFill>
+                      <a:prstDash val="solid"/>
+                      <a:round/>
+                      <a:headEnd type="none" w="med" len="med"/>
+                      <a:tailEnd type="none" w="med" len="med"/>
+                    </a:lnL>
+                    <a:lnR w="28575" cap="flat" cmpd="sng" algn="ctr">
+                      <a:solidFill>
+                        <a:schemeClr val="tx1"/>
+                      </a:solidFill>
+                      <a:prstDash val="solid"/>
+                      <a:round/>
+                      <a:headEnd type="none" w="med" len="med"/>
+                      <a:tailEnd type="none" w="med" len="med"/>
+                    </a:lnR>
+                    <a:lnT w="28575" cap="flat" cmpd="sng" algn="ctr">
+                      <a:solidFill>
+                        <a:schemeClr val="tx1"/>
+                      </a:solidFill>
+                      <a:prstDash val="solid"/>
+                      <a:round/>
+                      <a:headEnd type="none" w="med" len="med"/>
+                      <a:tailEnd type="none" w="med" len="med"/>
+                    </a:lnT>
+                    <a:lnB w="28575" cap="flat" cmpd="sng" algn="ctr">
+                      <a:solidFill>
+                        <a:schemeClr val="tx1"/>
+                      </a:solidFill>
+                      <a:prstDash val="solid"/>
+                      <a:round/>
+                      <a:headEnd type="none" w="med" len="med"/>
+                      <a:tailEnd type="none" w="med" len="med"/>
+                    </a:lnB>
+                    <a:lnTlToBr w="12700" cmpd="sng">
+                      <a:noFill/>
+                      <a:prstDash val="solid"/>
+                    </a:lnTlToBr>
+                    <a:lnBlToTr w="12700" cmpd="sng">
+                      <a:noFill/>
+                      <a:prstDash val="solid"/>
+                    </a:lnBlToTr>
                     <a:noFill/>
                   </a:tcPr>
                 </a:tc>
@@ -15225,12 +14019,58 @@
                     <a:p>
                       <a:pPr algn="ctr"/>
                       <a:r>
-                        <a:rPr lang="en-US" b="1" dirty="0"/>
+                        <a:rPr lang="en-US" b="1" dirty="0">
+                          <a:latin typeface="STIXNonUnicode-Regular" pitchFamily="2" charset="2"/>
+                        </a:rPr>
                         <a:t>Training Time</a:t>
                       </a:r>
                     </a:p>
                   </a:txBody>
                   <a:tcPr anchor="ctr">
+                    <a:lnL w="28575" cap="flat" cmpd="sng" algn="ctr">
+                      <a:solidFill>
+                        <a:schemeClr val="tx1"/>
+                      </a:solidFill>
+                      <a:prstDash val="solid"/>
+                      <a:round/>
+                      <a:headEnd type="none" w="med" len="med"/>
+                      <a:tailEnd type="none" w="med" len="med"/>
+                    </a:lnL>
+                    <a:lnR w="28575" cap="flat" cmpd="sng" algn="ctr">
+                      <a:solidFill>
+                        <a:schemeClr val="tx1"/>
+                      </a:solidFill>
+                      <a:prstDash val="solid"/>
+                      <a:round/>
+                      <a:headEnd type="none" w="med" len="med"/>
+                      <a:tailEnd type="none" w="med" len="med"/>
+                    </a:lnR>
+                    <a:lnT w="28575" cap="flat" cmpd="sng" algn="ctr">
+                      <a:solidFill>
+                        <a:schemeClr val="tx1"/>
+                      </a:solidFill>
+                      <a:prstDash val="solid"/>
+                      <a:round/>
+                      <a:headEnd type="none" w="med" len="med"/>
+                      <a:tailEnd type="none" w="med" len="med"/>
+                    </a:lnT>
+                    <a:lnB w="28575" cap="flat" cmpd="sng" algn="ctr">
+                      <a:solidFill>
+                        <a:schemeClr val="tx1"/>
+                      </a:solidFill>
+                      <a:prstDash val="solid"/>
+                      <a:round/>
+                      <a:headEnd type="none" w="med" len="med"/>
+                      <a:tailEnd type="none" w="med" len="med"/>
+                    </a:lnB>
+                    <a:lnTlToBr w="12700" cmpd="sng">
+                      <a:noFill/>
+                      <a:prstDash val="solid"/>
+                    </a:lnTlToBr>
+                    <a:lnBlToTr w="12700" cmpd="sng">
+                      <a:noFill/>
+                      <a:prstDash val="solid"/>
+                    </a:lnBlToTr>
                     <a:noFill/>
                   </a:tcPr>
                 </a:tc>
@@ -15241,12 +14081,58 @@
                     <a:p>
                       <a:pPr algn="ctr"/>
                       <a:r>
-                        <a:rPr lang="en-US" b="1" dirty="0"/>
+                        <a:rPr lang="en-US" b="1" dirty="0">
+                          <a:latin typeface="STIXNonUnicode-Regular" pitchFamily="2" charset="2"/>
+                        </a:rPr>
                         <a:t>Test Accuracy</a:t>
                       </a:r>
                     </a:p>
                   </a:txBody>
                   <a:tcPr anchor="ctr">
+                    <a:lnL w="28575" cap="flat" cmpd="sng" algn="ctr">
+                      <a:solidFill>
+                        <a:schemeClr val="tx1"/>
+                      </a:solidFill>
+                      <a:prstDash val="solid"/>
+                      <a:round/>
+                      <a:headEnd type="none" w="med" len="med"/>
+                      <a:tailEnd type="none" w="med" len="med"/>
+                    </a:lnL>
+                    <a:lnR w="28575" cap="flat" cmpd="sng" algn="ctr">
+                      <a:solidFill>
+                        <a:schemeClr val="tx1"/>
+                      </a:solidFill>
+                      <a:prstDash val="solid"/>
+                      <a:round/>
+                      <a:headEnd type="none" w="med" len="med"/>
+                      <a:tailEnd type="none" w="med" len="med"/>
+                    </a:lnR>
+                    <a:lnT w="28575" cap="flat" cmpd="sng" algn="ctr">
+                      <a:solidFill>
+                        <a:schemeClr val="tx1"/>
+                      </a:solidFill>
+                      <a:prstDash val="solid"/>
+                      <a:round/>
+                      <a:headEnd type="none" w="med" len="med"/>
+                      <a:tailEnd type="none" w="med" len="med"/>
+                    </a:lnT>
+                    <a:lnB w="28575" cap="flat" cmpd="sng" algn="ctr">
+                      <a:solidFill>
+                        <a:schemeClr val="tx1"/>
+                      </a:solidFill>
+                      <a:prstDash val="solid"/>
+                      <a:round/>
+                      <a:headEnd type="none" w="med" len="med"/>
+                      <a:tailEnd type="none" w="med" len="med"/>
+                    </a:lnB>
+                    <a:lnTlToBr w="12700" cmpd="sng">
+                      <a:noFill/>
+                      <a:prstDash val="solid"/>
+                    </a:lnTlToBr>
+                    <a:lnBlToTr w="12700" cmpd="sng">
+                      <a:noFill/>
+                      <a:prstDash val="solid"/>
+                    </a:lnBlToTr>
                     <a:noFill/>
                   </a:tcPr>
                 </a:tc>
@@ -15282,12 +14168,58 @@
                         <a:defRPr/>
                       </a:pPr>
                       <a:r>
-                        <a:rPr lang="en-US" sz="1400" b="1" dirty="0"/>
+                        <a:rPr lang="en-US" sz="1400" b="1" dirty="0">
+                          <a:latin typeface="STIXNonUnicode-Regular" pitchFamily="2" charset="2"/>
+                        </a:rPr>
                         <a:t>GBM : Baseline</a:t>
                       </a:r>
                     </a:p>
                   </a:txBody>
                   <a:tcPr anchor="ctr">
+                    <a:lnL w="28575" cap="flat" cmpd="sng" algn="ctr">
+                      <a:solidFill>
+                        <a:schemeClr val="tx1"/>
+                      </a:solidFill>
+                      <a:prstDash val="solid"/>
+                      <a:round/>
+                      <a:headEnd type="none" w="med" len="med"/>
+                      <a:tailEnd type="none" w="med" len="med"/>
+                    </a:lnL>
+                    <a:lnR w="28575" cap="flat" cmpd="sng" algn="ctr">
+                      <a:solidFill>
+                        <a:schemeClr val="tx1"/>
+                      </a:solidFill>
+                      <a:prstDash val="solid"/>
+                      <a:round/>
+                      <a:headEnd type="none" w="med" len="med"/>
+                      <a:tailEnd type="none" w="med" len="med"/>
+                    </a:lnR>
+                    <a:lnT w="28575" cap="flat" cmpd="sng" algn="ctr">
+                      <a:solidFill>
+                        <a:schemeClr val="tx1"/>
+                      </a:solidFill>
+                      <a:prstDash val="solid"/>
+                      <a:round/>
+                      <a:headEnd type="none" w="med" len="med"/>
+                      <a:tailEnd type="none" w="med" len="med"/>
+                    </a:lnT>
+                    <a:lnB w="28575" cap="flat" cmpd="sng" algn="ctr">
+                      <a:solidFill>
+                        <a:schemeClr val="tx1"/>
+                      </a:solidFill>
+                      <a:prstDash val="solid"/>
+                      <a:round/>
+                      <a:headEnd type="none" w="med" len="med"/>
+                      <a:tailEnd type="none" w="med" len="med"/>
+                    </a:lnB>
+                    <a:lnTlToBr w="12700" cmpd="sng">
+                      <a:noFill/>
+                      <a:prstDash val="solid"/>
+                    </a:lnTlToBr>
+                    <a:lnBlToTr w="12700" cmpd="sng">
+                      <a:noFill/>
+                      <a:prstDash val="solid"/>
+                    </a:lnBlToTr>
                     <a:noFill/>
                   </a:tcPr>
                 </a:tc>
@@ -15298,12 +14230,58 @@
                     <a:p>
                       <a:pPr algn="ctr"/>
                       <a:r>
-                        <a:rPr lang="en-US" b="1" dirty="0"/>
+                        <a:rPr lang="en-US" b="1" dirty="0">
+                          <a:latin typeface="STIXNonUnicode-Regular" pitchFamily="2" charset="2"/>
+                        </a:rPr>
                         <a:t>274.6s</a:t>
                       </a:r>
                     </a:p>
                   </a:txBody>
                   <a:tcPr anchor="ctr">
+                    <a:lnL w="28575" cap="flat" cmpd="sng" algn="ctr">
+                      <a:solidFill>
+                        <a:schemeClr val="tx1"/>
+                      </a:solidFill>
+                      <a:prstDash val="solid"/>
+                      <a:round/>
+                      <a:headEnd type="none" w="med" len="med"/>
+                      <a:tailEnd type="none" w="med" len="med"/>
+                    </a:lnL>
+                    <a:lnR w="28575" cap="flat" cmpd="sng" algn="ctr">
+                      <a:solidFill>
+                        <a:schemeClr val="tx1"/>
+                      </a:solidFill>
+                      <a:prstDash val="solid"/>
+                      <a:round/>
+                      <a:headEnd type="none" w="med" len="med"/>
+                      <a:tailEnd type="none" w="med" len="med"/>
+                    </a:lnR>
+                    <a:lnT w="28575" cap="flat" cmpd="sng" algn="ctr">
+                      <a:solidFill>
+                        <a:schemeClr val="tx1"/>
+                      </a:solidFill>
+                      <a:prstDash val="solid"/>
+                      <a:round/>
+                      <a:headEnd type="none" w="med" len="med"/>
+                      <a:tailEnd type="none" w="med" len="med"/>
+                    </a:lnT>
+                    <a:lnB w="28575" cap="flat" cmpd="sng" algn="ctr">
+                      <a:solidFill>
+                        <a:schemeClr val="tx1"/>
+                      </a:solidFill>
+                      <a:prstDash val="solid"/>
+                      <a:round/>
+                      <a:headEnd type="none" w="med" len="med"/>
+                      <a:tailEnd type="none" w="med" len="med"/>
+                    </a:lnB>
+                    <a:lnTlToBr w="12700" cmpd="sng">
+                      <a:noFill/>
+                      <a:prstDash val="solid"/>
+                    </a:lnTlToBr>
+                    <a:lnBlToTr w="12700" cmpd="sng">
+                      <a:noFill/>
+                      <a:prstDash val="solid"/>
+                    </a:lnBlToTr>
                     <a:noFill/>
                   </a:tcPr>
                 </a:tc>
@@ -15314,12 +14292,58 @@
                     <a:p>
                       <a:pPr algn="ctr"/>
                       <a:r>
-                        <a:rPr lang="en-US" b="1" dirty="0"/>
+                        <a:rPr lang="en-US" b="1" dirty="0">
+                          <a:latin typeface="STIXNonUnicode-Regular" pitchFamily="2" charset="2"/>
+                        </a:rPr>
                         <a:t>43.8%</a:t>
                       </a:r>
                     </a:p>
                   </a:txBody>
                   <a:tcPr anchor="ctr">
+                    <a:lnL w="28575" cap="flat" cmpd="sng" algn="ctr">
+                      <a:solidFill>
+                        <a:schemeClr val="tx1"/>
+                      </a:solidFill>
+                      <a:prstDash val="solid"/>
+                      <a:round/>
+                      <a:headEnd type="none" w="med" len="med"/>
+                      <a:tailEnd type="none" w="med" len="med"/>
+                    </a:lnL>
+                    <a:lnR w="28575" cap="flat" cmpd="sng" algn="ctr">
+                      <a:solidFill>
+                        <a:schemeClr val="tx1"/>
+                      </a:solidFill>
+                      <a:prstDash val="solid"/>
+                      <a:round/>
+                      <a:headEnd type="none" w="med" len="med"/>
+                      <a:tailEnd type="none" w="med" len="med"/>
+                    </a:lnR>
+                    <a:lnT w="28575" cap="flat" cmpd="sng" algn="ctr">
+                      <a:solidFill>
+                        <a:schemeClr val="tx1"/>
+                      </a:solidFill>
+                      <a:prstDash val="solid"/>
+                      <a:round/>
+                      <a:headEnd type="none" w="med" len="med"/>
+                      <a:tailEnd type="none" w="med" len="med"/>
+                    </a:lnT>
+                    <a:lnB w="28575" cap="flat" cmpd="sng" algn="ctr">
+                      <a:solidFill>
+                        <a:schemeClr val="tx1"/>
+                      </a:solidFill>
+                      <a:prstDash val="solid"/>
+                      <a:round/>
+                      <a:headEnd type="none" w="med" len="med"/>
+                      <a:tailEnd type="none" w="med" len="med"/>
+                    </a:lnB>
+                    <a:lnTlToBr w="12700" cmpd="sng">
+                      <a:noFill/>
+                      <a:prstDash val="solid"/>
+                    </a:lnTlToBr>
+                    <a:lnBlToTr w="12700" cmpd="sng">
+                      <a:noFill/>
+                      <a:prstDash val="solid"/>
+                    </a:lnBlToTr>
                     <a:noFill/>
                   </a:tcPr>
                 </a:tc>
@@ -15337,12 +14361,58 @@
                     <a:p>
                       <a:pPr algn="ctr"/>
                       <a:r>
-                        <a:rPr lang="en-US" b="1" dirty="0"/>
+                        <a:rPr lang="en-US" b="1" dirty="0">
+                          <a:latin typeface="STIXNonUnicode-Regular" pitchFamily="2" charset="2"/>
+                        </a:rPr>
                         <a:t>XGBOOST</a:t>
                       </a:r>
                     </a:p>
                   </a:txBody>
                   <a:tcPr anchor="ctr">
+                    <a:lnL w="28575" cap="flat" cmpd="sng" algn="ctr">
+                      <a:solidFill>
+                        <a:schemeClr val="tx1"/>
+                      </a:solidFill>
+                      <a:prstDash val="solid"/>
+                      <a:round/>
+                      <a:headEnd type="none" w="med" len="med"/>
+                      <a:tailEnd type="none" w="med" len="med"/>
+                    </a:lnL>
+                    <a:lnR w="28575" cap="flat" cmpd="sng" algn="ctr">
+                      <a:solidFill>
+                        <a:schemeClr val="tx1"/>
+                      </a:solidFill>
+                      <a:prstDash val="solid"/>
+                      <a:round/>
+                      <a:headEnd type="none" w="med" len="med"/>
+                      <a:tailEnd type="none" w="med" len="med"/>
+                    </a:lnR>
+                    <a:lnT w="28575" cap="flat" cmpd="sng" algn="ctr">
+                      <a:solidFill>
+                        <a:schemeClr val="tx1"/>
+                      </a:solidFill>
+                      <a:prstDash val="solid"/>
+                      <a:round/>
+                      <a:headEnd type="none" w="med" len="med"/>
+                      <a:tailEnd type="none" w="med" len="med"/>
+                    </a:lnT>
+                    <a:lnB w="28575" cap="flat" cmpd="sng" algn="ctr">
+                      <a:solidFill>
+                        <a:schemeClr val="tx1"/>
+                      </a:solidFill>
+                      <a:prstDash val="solid"/>
+                      <a:round/>
+                      <a:headEnd type="none" w="med" len="med"/>
+                      <a:tailEnd type="none" w="med" len="med"/>
+                    </a:lnB>
+                    <a:lnTlToBr w="12700" cmpd="sng">
+                      <a:noFill/>
+                      <a:prstDash val="solid"/>
+                    </a:lnTlToBr>
+                    <a:lnBlToTr w="12700" cmpd="sng">
+                      <a:noFill/>
+                      <a:prstDash val="solid"/>
+                    </a:lnBlToTr>
                     <a:noFill/>
                   </a:tcPr>
                 </a:tc>
@@ -15353,12 +14423,58 @@
                     <a:p>
                       <a:pPr algn="ctr"/>
                       <a:r>
-                        <a:rPr lang="en-US" b="1" dirty="0"/>
+                        <a:rPr lang="en-US" b="1" dirty="0">
+                          <a:latin typeface="STIXNonUnicode-Regular" pitchFamily="2" charset="2"/>
+                        </a:rPr>
                         <a:t>807.87s</a:t>
                       </a:r>
                     </a:p>
                   </a:txBody>
                   <a:tcPr anchor="ctr">
+                    <a:lnL w="28575" cap="flat" cmpd="sng" algn="ctr">
+                      <a:solidFill>
+                        <a:schemeClr val="tx1"/>
+                      </a:solidFill>
+                      <a:prstDash val="solid"/>
+                      <a:round/>
+                      <a:headEnd type="none" w="med" len="med"/>
+                      <a:tailEnd type="none" w="med" len="med"/>
+                    </a:lnL>
+                    <a:lnR w="28575" cap="flat" cmpd="sng" algn="ctr">
+                      <a:solidFill>
+                        <a:schemeClr val="tx1"/>
+                      </a:solidFill>
+                      <a:prstDash val="solid"/>
+                      <a:round/>
+                      <a:headEnd type="none" w="med" len="med"/>
+                      <a:tailEnd type="none" w="med" len="med"/>
+                    </a:lnR>
+                    <a:lnT w="28575" cap="flat" cmpd="sng" algn="ctr">
+                      <a:solidFill>
+                        <a:schemeClr val="tx1"/>
+                      </a:solidFill>
+                      <a:prstDash val="solid"/>
+                      <a:round/>
+                      <a:headEnd type="none" w="med" len="med"/>
+                      <a:tailEnd type="none" w="med" len="med"/>
+                    </a:lnT>
+                    <a:lnB w="28575" cap="flat" cmpd="sng" algn="ctr">
+                      <a:solidFill>
+                        <a:schemeClr val="tx1"/>
+                      </a:solidFill>
+                      <a:prstDash val="solid"/>
+                      <a:round/>
+                      <a:headEnd type="none" w="med" len="med"/>
+                      <a:tailEnd type="none" w="med" len="med"/>
+                    </a:lnB>
+                    <a:lnTlToBr w="12700" cmpd="sng">
+                      <a:noFill/>
+                      <a:prstDash val="solid"/>
+                    </a:lnTlToBr>
+                    <a:lnBlToTr w="12700" cmpd="sng">
+                      <a:noFill/>
+                      <a:prstDash val="solid"/>
+                    </a:lnBlToTr>
                     <a:noFill/>
                   </a:tcPr>
                 </a:tc>
@@ -15369,12 +14485,58 @@
                     <a:p>
                       <a:pPr algn="ctr"/>
                       <a:r>
-                        <a:rPr lang="en-US" b="1" dirty="0"/>
+                        <a:rPr lang="en-US" b="1" dirty="0">
+                          <a:latin typeface="STIXNonUnicode-Regular" pitchFamily="2" charset="2"/>
+                        </a:rPr>
                         <a:t>52.8%</a:t>
                       </a:r>
                     </a:p>
                   </a:txBody>
                   <a:tcPr anchor="ctr">
+                    <a:lnL w="28575" cap="flat" cmpd="sng" algn="ctr">
+                      <a:solidFill>
+                        <a:schemeClr val="tx1"/>
+                      </a:solidFill>
+                      <a:prstDash val="solid"/>
+                      <a:round/>
+                      <a:headEnd type="none" w="med" len="med"/>
+                      <a:tailEnd type="none" w="med" len="med"/>
+                    </a:lnL>
+                    <a:lnR w="28575" cap="flat" cmpd="sng" algn="ctr">
+                      <a:solidFill>
+                        <a:schemeClr val="tx1"/>
+                      </a:solidFill>
+                      <a:prstDash val="solid"/>
+                      <a:round/>
+                      <a:headEnd type="none" w="med" len="med"/>
+                      <a:tailEnd type="none" w="med" len="med"/>
+                    </a:lnR>
+                    <a:lnT w="28575" cap="flat" cmpd="sng" algn="ctr">
+                      <a:solidFill>
+                        <a:schemeClr val="tx1"/>
+                      </a:solidFill>
+                      <a:prstDash val="solid"/>
+                      <a:round/>
+                      <a:headEnd type="none" w="med" len="med"/>
+                      <a:tailEnd type="none" w="med" len="med"/>
+                    </a:lnT>
+                    <a:lnB w="28575" cap="flat" cmpd="sng" algn="ctr">
+                      <a:solidFill>
+                        <a:schemeClr val="tx1"/>
+                      </a:solidFill>
+                      <a:prstDash val="solid"/>
+                      <a:round/>
+                      <a:headEnd type="none" w="med" len="med"/>
+                      <a:tailEnd type="none" w="med" len="med"/>
+                    </a:lnB>
+                    <a:lnTlToBr w="12700" cmpd="sng">
+                      <a:noFill/>
+                      <a:prstDash val="solid"/>
+                    </a:lnTlToBr>
+                    <a:lnBlToTr w="12700" cmpd="sng">
+                      <a:noFill/>
+                      <a:prstDash val="solid"/>
+                    </a:lnBlToTr>
                     <a:noFill/>
                   </a:tcPr>
                 </a:tc>
@@ -15392,61 +14554,58 @@
                     <a:p>
                       <a:pPr algn="ctr"/>
                       <a:r>
-                        <a:rPr lang="en-US" b="1" dirty="0"/>
-                        <a:t>CNN</a:t>
-                      </a:r>
-                    </a:p>
-                  </a:txBody>
-                  <a:tcPr anchor="ctr">
-                    <a:noFill/>
-                  </a:tcPr>
-                </a:tc>
-                <a:tc>
-                  <a:txBody>
-                    <a:bodyPr/>
-                    <a:lstStyle/>
-                    <a:p>
-                      <a:pPr algn="ctr"/>
-                      <a:endParaRPr lang="en-US" b="1" dirty="0"/>
-                    </a:p>
-                  </a:txBody>
-                  <a:tcPr anchor="ctr">
-                    <a:noFill/>
-                  </a:tcPr>
-                </a:tc>
-                <a:tc>
-                  <a:txBody>
-                    <a:bodyPr/>
-                    <a:lstStyle/>
-                    <a:p>
-                      <a:pPr algn="ctr"/>
-                      <a:endParaRPr lang="en-US" b="1" dirty="0"/>
-                    </a:p>
-                  </a:txBody>
-                  <a:tcPr anchor="ctr">
-                    <a:noFill/>
-                  </a:tcPr>
-                </a:tc>
-                <a:extLst>
-                  <a:ext uri="{0D108BD9-81ED-4DB2-BD59-A6C34878D82A}">
-                    <a16:rowId xmlns:a16="http://schemas.microsoft.com/office/drawing/2014/main" val="3210671558"/>
-                  </a:ext>
-                </a:extLst>
-              </a:tr>
-              <a:tr h="527672">
-                <a:tc>
-                  <a:txBody>
-                    <a:bodyPr/>
-                    <a:lstStyle/>
-                    <a:p>
-                      <a:pPr algn="ctr"/>
-                      <a:r>
-                        <a:rPr lang="en-US" b="1" dirty="0"/>
+                        <a:rPr lang="en-US" b="1" dirty="0">
+                          <a:latin typeface="STIXNonUnicode-Regular" pitchFamily="2" charset="2"/>
+                        </a:rPr>
                         <a:t>SVM</a:t>
                       </a:r>
                     </a:p>
                   </a:txBody>
                   <a:tcPr anchor="ctr">
+                    <a:lnL w="28575" cap="flat" cmpd="sng" algn="ctr">
+                      <a:solidFill>
+                        <a:schemeClr val="tx1"/>
+                      </a:solidFill>
+                      <a:prstDash val="solid"/>
+                      <a:round/>
+                      <a:headEnd type="none" w="med" len="med"/>
+                      <a:tailEnd type="none" w="med" len="med"/>
+                    </a:lnL>
+                    <a:lnR w="28575" cap="flat" cmpd="sng" algn="ctr">
+                      <a:solidFill>
+                        <a:schemeClr val="tx1"/>
+                      </a:solidFill>
+                      <a:prstDash val="solid"/>
+                      <a:round/>
+                      <a:headEnd type="none" w="med" len="med"/>
+                      <a:tailEnd type="none" w="med" len="med"/>
+                    </a:lnR>
+                    <a:lnT w="28575" cap="flat" cmpd="sng" algn="ctr">
+                      <a:solidFill>
+                        <a:schemeClr val="tx1"/>
+                      </a:solidFill>
+                      <a:prstDash val="solid"/>
+                      <a:round/>
+                      <a:headEnd type="none" w="med" len="med"/>
+                      <a:tailEnd type="none" w="med" len="med"/>
+                    </a:lnT>
+                    <a:lnB w="28575" cap="flat" cmpd="sng" algn="ctr">
+                      <a:solidFill>
+                        <a:schemeClr val="tx1"/>
+                      </a:solidFill>
+                      <a:prstDash val="solid"/>
+                      <a:round/>
+                      <a:headEnd type="none" w="med" len="med"/>
+                      <a:tailEnd type="none" w="med" len="med"/>
+                    </a:lnB>
+                    <a:lnTlToBr w="12700" cmpd="sng">
+                      <a:noFill/>
+                      <a:prstDash val="solid"/>
+                    </a:lnTlToBr>
+                    <a:lnBlToTr w="12700" cmpd="sng">
+                      <a:noFill/>
+                      <a:prstDash val="solid"/>
+                    </a:lnBlToTr>
                     <a:solidFill>
                       <a:srgbClr val="F0FFB3"/>
                     </a:solidFill>
@@ -15477,12 +14636,58 @@
                         <a:defRPr/>
                       </a:pPr>
                       <a:r>
-                        <a:rPr lang="en-US" b="1" dirty="0"/>
+                        <a:rPr lang="en-US" b="1" dirty="0">
+                          <a:latin typeface="STIXNonUnicode-Regular" pitchFamily="2" charset="2"/>
+                        </a:rPr>
                         <a:t>15.9s</a:t>
                       </a:r>
                     </a:p>
                   </a:txBody>
                   <a:tcPr anchor="ctr">
+                    <a:lnL w="28575" cap="flat" cmpd="sng" algn="ctr">
+                      <a:solidFill>
+                        <a:schemeClr val="tx1"/>
+                      </a:solidFill>
+                      <a:prstDash val="solid"/>
+                      <a:round/>
+                      <a:headEnd type="none" w="med" len="med"/>
+                      <a:tailEnd type="none" w="med" len="med"/>
+                    </a:lnL>
+                    <a:lnR w="28575" cap="flat" cmpd="sng" algn="ctr">
+                      <a:solidFill>
+                        <a:schemeClr val="tx1"/>
+                      </a:solidFill>
+                      <a:prstDash val="solid"/>
+                      <a:round/>
+                      <a:headEnd type="none" w="med" len="med"/>
+                      <a:tailEnd type="none" w="med" len="med"/>
+                    </a:lnR>
+                    <a:lnT w="28575" cap="flat" cmpd="sng" algn="ctr">
+                      <a:solidFill>
+                        <a:schemeClr val="tx1"/>
+                      </a:solidFill>
+                      <a:prstDash val="solid"/>
+                      <a:round/>
+                      <a:headEnd type="none" w="med" len="med"/>
+                      <a:tailEnd type="none" w="med" len="med"/>
+                    </a:lnT>
+                    <a:lnB w="28575" cap="flat" cmpd="sng" algn="ctr">
+                      <a:solidFill>
+                        <a:schemeClr val="tx1"/>
+                      </a:solidFill>
+                      <a:prstDash val="solid"/>
+                      <a:round/>
+                      <a:headEnd type="none" w="med" len="med"/>
+                      <a:tailEnd type="none" w="med" len="med"/>
+                    </a:lnB>
+                    <a:lnTlToBr w="12700" cmpd="sng">
+                      <a:noFill/>
+                      <a:prstDash val="solid"/>
+                    </a:lnTlToBr>
+                    <a:lnBlToTr w="12700" cmpd="sng">
+                      <a:noFill/>
+                      <a:prstDash val="solid"/>
+                    </a:lnBlToTr>
                     <a:solidFill>
                       <a:srgbClr val="F0FFB3"/>
                     </a:solidFill>
@@ -15513,12 +14718,58 @@
                         <a:defRPr/>
                       </a:pPr>
                       <a:r>
-                        <a:rPr lang="en-US" b="1" dirty="0"/>
+                        <a:rPr lang="en-US" b="1" dirty="0">
+                          <a:latin typeface="STIXNonUnicode-Regular" pitchFamily="2" charset="2"/>
+                        </a:rPr>
                         <a:t>50.6%</a:t>
                       </a:r>
                     </a:p>
                   </a:txBody>
                   <a:tcPr anchor="ctr">
+                    <a:lnL w="28575" cap="flat" cmpd="sng" algn="ctr">
+                      <a:solidFill>
+                        <a:schemeClr val="tx1"/>
+                      </a:solidFill>
+                      <a:prstDash val="solid"/>
+                      <a:round/>
+                      <a:headEnd type="none" w="med" len="med"/>
+                      <a:tailEnd type="none" w="med" len="med"/>
+                    </a:lnL>
+                    <a:lnR w="28575" cap="flat" cmpd="sng" algn="ctr">
+                      <a:solidFill>
+                        <a:schemeClr val="tx1"/>
+                      </a:solidFill>
+                      <a:prstDash val="solid"/>
+                      <a:round/>
+                      <a:headEnd type="none" w="med" len="med"/>
+                      <a:tailEnd type="none" w="med" len="med"/>
+                    </a:lnR>
+                    <a:lnT w="28575" cap="flat" cmpd="sng" algn="ctr">
+                      <a:solidFill>
+                        <a:schemeClr val="tx1"/>
+                      </a:solidFill>
+                      <a:prstDash val="solid"/>
+                      <a:round/>
+                      <a:headEnd type="none" w="med" len="med"/>
+                      <a:tailEnd type="none" w="med" len="med"/>
+                    </a:lnT>
+                    <a:lnB w="28575" cap="flat" cmpd="sng" algn="ctr">
+                      <a:solidFill>
+                        <a:schemeClr val="tx1"/>
+                      </a:solidFill>
+                      <a:prstDash val="solid"/>
+                      <a:round/>
+                      <a:headEnd type="none" w="med" len="med"/>
+                      <a:tailEnd type="none" w="med" len="med"/>
+                    </a:lnB>
+                    <a:lnTlToBr w="12700" cmpd="sng">
+                      <a:noFill/>
+                      <a:prstDash val="solid"/>
+                    </a:lnTlToBr>
+                    <a:lnBlToTr w="12700" cmpd="sng">
+                      <a:noFill/>
+                      <a:prstDash val="solid"/>
+                    </a:lnBlToTr>
                     <a:solidFill>
                       <a:srgbClr val="F0FFB3"/>
                     </a:solidFill>

--- a/doc/Presentation(group 6).pptx
+++ b/doc/Presentation(group 6).pptx
@@ -10343,6 +10343,12 @@
           <a:p>
             <a:pPr algn="ctr"/>
             <a:r>
+              <a:rPr lang="en-US" altLang="ko-KR" sz="1800" b="1" dirty="0">
+                <a:latin typeface="STIXNonUnicode-Regular" pitchFamily="2" charset="2"/>
+              </a:rPr>
+              <a:t>1</a:t>
+            </a:r>
+            <a:r>
               <a:rPr lang="en-US" sz="1800" b="1" dirty="0">
                 <a:latin typeface="STIXNonUnicode-Regular" pitchFamily="2" charset="2"/>
               </a:rPr>
@@ -10491,10 +10497,16 @@
           <a:p>
             <a:pPr algn="ctr"/>
             <a:r>
+              <a:rPr lang="en-US" altLang="ko-KR" sz="1100" b="1" dirty="0">
+                <a:latin typeface="STIXNonUnicode-Regular" pitchFamily="2" charset="2"/>
+              </a:rPr>
+              <a:t>0.523</a:t>
+            </a:r>
+            <a:r>
               <a:rPr lang="en-US" sz="1100" b="1" dirty="0">
                 <a:latin typeface="STIXNonUnicode-Regular" pitchFamily="2" charset="2"/>
               </a:rPr>
-              <a:t>274.6s</a:t>
+              <a:t>s</a:t>
             </a:r>
           </a:p>
         </p:txBody>

--- a/doc/Presentation(group 6).pptx
+++ b/doc/Presentation(group 6).pptx
@@ -1024,7 +1024,7 @@
               </a:spcAft>
               <a:buNone/>
             </a:pPr>
-            <a:endParaRPr/>
+            <a:endParaRPr dirty="0"/>
           </a:p>
         </p:txBody>
       </p:sp>
@@ -1128,7 +1128,7 @@
               </a:spcAft>
               <a:buNone/>
             </a:pPr>
-            <a:endParaRPr/>
+            <a:endParaRPr dirty="0"/>
           </a:p>
         </p:txBody>
       </p:sp>
@@ -7679,7 +7679,7 @@
               <a:rPr lang="en-US" sz="1800" dirty="0">
                 <a:latin typeface="STIXNonUnicode-Regular" pitchFamily="2" charset="2"/>
               </a:rPr>
-              <a:t>A model that used pairwise distances as a feature showed much higher prediction accuracy than a model that used raw location of fiducial points.</a:t>
+              <a:t>A model that used pairwise distances as a feature showed much higher prediction accuracy than a model that used location of fiducial points.</a:t>
             </a:r>
           </a:p>
         </p:txBody>
@@ -7937,8 +7937,8 @@
         </p:nvSpPr>
         <p:spPr>
           <a:xfrm>
-            <a:off x="5422957" y="1686944"/>
-            <a:ext cx="3657972" cy="3191256"/>
+            <a:off x="5429633" y="1824730"/>
+            <a:ext cx="3657972" cy="2629413"/>
           </a:xfrm>
         </p:spPr>
         <p:txBody>
@@ -8025,19 +8025,6 @@
               <a:t>SVM</a:t>
             </a:r>
           </a:p>
-          <a:p>
-            <a:pPr marL="952500" lvl="1" indent="-342900">
-              <a:buSzPct val="65000"/>
-              <a:buFont typeface="Courier New" panose="02070309020205020404" pitchFamily="49" charset="0"/>
-              <a:buChar char="o"/>
-            </a:pPr>
-            <a:r>
-              <a:rPr lang="en-US" sz="2000" b="1" dirty="0">
-                <a:latin typeface="STIXNonUnicode-Regular" pitchFamily="2" charset="2"/>
-              </a:rPr>
-              <a:t>CNN</a:t>
-            </a:r>
-          </a:p>
         </p:txBody>
       </p:sp>
       <p:sp>
@@ -8342,7 +8329,7 @@
         </p:nvSpPr>
         <p:spPr>
           <a:xfrm>
-            <a:off x="1652620" y="-576073"/>
+            <a:off x="2195876" y="-576073"/>
             <a:ext cx="1045029" cy="4546823"/>
           </a:xfrm>
           <a:prstGeom prst="roundRect">
@@ -8398,7 +8385,7 @@
         </p:nvSpPr>
         <p:spPr>
           <a:xfrm>
-            <a:off x="4294455" y="-576073"/>
+            <a:off x="3837516" y="-598301"/>
             <a:ext cx="1045029" cy="4434840"/>
           </a:xfrm>
           <a:prstGeom prst="roundRect">
@@ -8454,63 +8441,7 @@
         </p:nvSpPr>
         <p:spPr>
           <a:xfrm>
-            <a:off x="321478" y="-576072"/>
-            <a:ext cx="1045029" cy="3547872"/>
-          </a:xfrm>
-          <a:prstGeom prst="roundRect">
-            <a:avLst>
-              <a:gd name="adj" fmla="val 50000"/>
-            </a:avLst>
-          </a:prstGeom>
-          <a:solidFill>
-            <a:schemeClr val="accent1">
-              <a:alpha val="60000"/>
-            </a:schemeClr>
-          </a:solidFill>
-          <a:ln>
-            <a:noFill/>
-          </a:ln>
-        </p:spPr>
-        <p:style>
-          <a:lnRef idx="2">
-            <a:schemeClr val="accent1">
-              <a:shade val="50000"/>
-            </a:schemeClr>
-          </a:lnRef>
-          <a:fillRef idx="1">
-            <a:schemeClr val="accent1"/>
-          </a:fillRef>
-          <a:effectRef idx="0">
-            <a:schemeClr val="accent1"/>
-          </a:effectRef>
-          <a:fontRef idx="minor">
-            <a:schemeClr val="lt1"/>
-          </a:fontRef>
-        </p:style>
-        <p:txBody>
-          <a:bodyPr rtlCol="0" anchor="ctr"/>
-          <a:lstStyle/>
-          <a:p>
-            <a:pPr algn="ctr"/>
-            <a:endParaRPr lang="zh-CN" altLang="en-US"/>
-          </a:p>
-        </p:txBody>
-      </p:sp>
-      <p:sp>
-        <p:nvSpPr>
-          <p:cNvPr id="18" name="圆角矩形 15">
-            <a:extLst>
-              <a:ext uri="{FF2B5EF4-FFF2-40B4-BE49-F238E27FC236}">
-                <a16:creationId xmlns:a16="http://schemas.microsoft.com/office/drawing/2014/main" id="{BF9C9CD7-C3D0-D044-AF24-2BB17513DE1E}"/>
-              </a:ext>
-            </a:extLst>
-          </p:cNvPr>
-          <p:cNvSpPr/>
-          <p:nvPr/>
-        </p:nvSpPr>
-        <p:spPr>
-          <a:xfrm>
-            <a:off x="2971800" y="-576072"/>
+            <a:off x="585334" y="-576073"/>
             <a:ext cx="1045029" cy="3547872"/>
           </a:xfrm>
           <a:prstGeom prst="roundRect">
@@ -8568,7 +8499,7 @@
         </p:nvSpPr>
         <p:spPr>
           <a:xfrm>
-            <a:off x="-121120" y="2905540"/>
+            <a:off x="142736" y="2905539"/>
             <a:ext cx="1771199" cy="1199322"/>
           </a:xfrm>
           <a:prstGeom prst="rect">
@@ -8859,7 +8790,7 @@
         </p:nvSpPr>
         <p:spPr>
           <a:xfrm>
-            <a:off x="3998571" y="3813421"/>
+            <a:off x="3541632" y="3791193"/>
             <a:ext cx="1509834" cy="525164"/>
           </a:xfrm>
           <a:prstGeom prst="rect">
@@ -9130,297 +9061,6 @@
                 <a:latin typeface="STIXNonUnicode-Regular" pitchFamily="2" charset="2"/>
               </a:rPr>
               <a:t>SVM</a:t>
-            </a:r>
-          </a:p>
-        </p:txBody>
-      </p:sp>
-      <p:sp>
-        <p:nvSpPr>
-          <p:cNvPr id="21" name="Subtitle 3">
-            <a:extLst>
-              <a:ext uri="{FF2B5EF4-FFF2-40B4-BE49-F238E27FC236}">
-                <a16:creationId xmlns:a16="http://schemas.microsoft.com/office/drawing/2014/main" id="{DDBAA75D-CB38-E747-8B7B-2E4EC069E689}"/>
-              </a:ext>
-            </a:extLst>
-          </p:cNvPr>
-          <p:cNvSpPr txBox="1">
-            <a:spLocks/>
-          </p:cNvSpPr>
-          <p:nvPr/>
-        </p:nvSpPr>
-        <p:spPr>
-          <a:xfrm>
-            <a:off x="2663433" y="2947321"/>
-            <a:ext cx="1509834" cy="525164"/>
-          </a:xfrm>
-          <a:prstGeom prst="rect">
-            <a:avLst/>
-          </a:prstGeom>
-          <a:noFill/>
-          <a:ln>
-            <a:noFill/>
-          </a:ln>
-        </p:spPr>
-        <p:txBody>
-          <a:bodyPr spcFirstLastPara="1" wrap="square" lIns="91425" tIns="91425" rIns="91425" bIns="91425" anchor="t" anchorCtr="0">
-            <a:noAutofit/>
-          </a:bodyPr>
-          <a:lstStyle>
-            <a:defPPr marR="0" lvl="0" algn="l" rtl="0">
-              <a:lnSpc>
-                <a:spcPct val="100000"/>
-              </a:lnSpc>
-              <a:spcBef>
-                <a:spcPts val="0"/>
-              </a:spcBef>
-              <a:spcAft>
-                <a:spcPts val="0"/>
-              </a:spcAft>
-            </a:defPPr>
-            <a:lvl1pPr marL="457200" marR="0" lvl="0" indent="-304800" algn="ctr" rtl="0">
-              <a:lnSpc>
-                <a:spcPct val="100000"/>
-              </a:lnSpc>
-              <a:spcBef>
-                <a:spcPts val="0"/>
-              </a:spcBef>
-              <a:spcAft>
-                <a:spcPts val="0"/>
-              </a:spcAft>
-              <a:buClr>
-                <a:schemeClr val="dk1"/>
-              </a:buClr>
-              <a:buSzPts val="1200"/>
-              <a:buFont typeface="Roboto Condensed Light"/>
-              <a:buNone/>
-              <a:defRPr sz="1100" b="0" i="0" u="none" strike="noStrike" cap="none">
-                <a:solidFill>
-                  <a:schemeClr val="dk1"/>
-                </a:solidFill>
-                <a:latin typeface="Roboto Condensed Light"/>
-                <a:ea typeface="Roboto Condensed Light"/>
-                <a:cs typeface="Roboto Condensed Light"/>
-                <a:sym typeface="Roboto Condensed Light"/>
-              </a:defRPr>
-            </a:lvl1pPr>
-            <a:lvl2pPr marL="914400" marR="0" lvl="1" indent="-304800" algn="l" rtl="0">
-              <a:lnSpc>
-                <a:spcPct val="100000"/>
-              </a:lnSpc>
-              <a:spcBef>
-                <a:spcPts val="0"/>
-              </a:spcBef>
-              <a:spcAft>
-                <a:spcPts val="0"/>
-              </a:spcAft>
-              <a:buClr>
-                <a:schemeClr val="dk1"/>
-              </a:buClr>
-              <a:buSzPts val="1200"/>
-              <a:buFont typeface="Roboto Condensed Light"/>
-              <a:buNone/>
-              <a:defRPr sz="1200" b="0" i="0" u="none" strike="noStrike" cap="none">
-                <a:solidFill>
-                  <a:schemeClr val="dk1"/>
-                </a:solidFill>
-                <a:latin typeface="Roboto Condensed Light"/>
-                <a:ea typeface="Roboto Condensed Light"/>
-                <a:cs typeface="Roboto Condensed Light"/>
-                <a:sym typeface="Roboto Condensed Light"/>
-              </a:defRPr>
-            </a:lvl2pPr>
-            <a:lvl3pPr marL="1371600" marR="0" lvl="2" indent="-304800" algn="l" rtl="0">
-              <a:lnSpc>
-                <a:spcPct val="100000"/>
-              </a:lnSpc>
-              <a:spcBef>
-                <a:spcPts val="0"/>
-              </a:spcBef>
-              <a:spcAft>
-                <a:spcPts val="0"/>
-              </a:spcAft>
-              <a:buClr>
-                <a:schemeClr val="dk1"/>
-              </a:buClr>
-              <a:buSzPts val="1200"/>
-              <a:buFont typeface="Roboto Condensed Light"/>
-              <a:buNone/>
-              <a:defRPr sz="1200" b="0" i="0" u="none" strike="noStrike" cap="none">
-                <a:solidFill>
-                  <a:schemeClr val="dk1"/>
-                </a:solidFill>
-                <a:latin typeface="Roboto Condensed Light"/>
-                <a:ea typeface="Roboto Condensed Light"/>
-                <a:cs typeface="Roboto Condensed Light"/>
-                <a:sym typeface="Roboto Condensed Light"/>
-              </a:defRPr>
-            </a:lvl3pPr>
-            <a:lvl4pPr marL="1828800" marR="0" lvl="3" indent="-304800" algn="l" rtl="0">
-              <a:lnSpc>
-                <a:spcPct val="100000"/>
-              </a:lnSpc>
-              <a:spcBef>
-                <a:spcPts val="0"/>
-              </a:spcBef>
-              <a:spcAft>
-                <a:spcPts val="0"/>
-              </a:spcAft>
-              <a:buClr>
-                <a:schemeClr val="dk1"/>
-              </a:buClr>
-              <a:buSzPts val="1200"/>
-              <a:buFont typeface="Roboto Condensed Light"/>
-              <a:buNone/>
-              <a:defRPr sz="1200" b="0" i="0" u="none" strike="noStrike" cap="none">
-                <a:solidFill>
-                  <a:schemeClr val="dk1"/>
-                </a:solidFill>
-                <a:latin typeface="Roboto Condensed Light"/>
-                <a:ea typeface="Roboto Condensed Light"/>
-                <a:cs typeface="Roboto Condensed Light"/>
-                <a:sym typeface="Roboto Condensed Light"/>
-              </a:defRPr>
-            </a:lvl4pPr>
-            <a:lvl5pPr marL="2286000" marR="0" lvl="4" indent="-304800" algn="l" rtl="0">
-              <a:lnSpc>
-                <a:spcPct val="100000"/>
-              </a:lnSpc>
-              <a:spcBef>
-                <a:spcPts val="0"/>
-              </a:spcBef>
-              <a:spcAft>
-                <a:spcPts val="0"/>
-              </a:spcAft>
-              <a:buClr>
-                <a:schemeClr val="dk1"/>
-              </a:buClr>
-              <a:buSzPts val="1200"/>
-              <a:buFont typeface="Roboto Condensed Light"/>
-              <a:buNone/>
-              <a:defRPr sz="1200" b="0" i="0" u="none" strike="noStrike" cap="none">
-                <a:solidFill>
-                  <a:schemeClr val="dk1"/>
-                </a:solidFill>
-                <a:latin typeface="Roboto Condensed Light"/>
-                <a:ea typeface="Roboto Condensed Light"/>
-                <a:cs typeface="Roboto Condensed Light"/>
-                <a:sym typeface="Roboto Condensed Light"/>
-              </a:defRPr>
-            </a:lvl5pPr>
-            <a:lvl6pPr marL="2743200" marR="0" lvl="5" indent="-304800" algn="l" rtl="0">
-              <a:lnSpc>
-                <a:spcPct val="100000"/>
-              </a:lnSpc>
-              <a:spcBef>
-                <a:spcPts val="0"/>
-              </a:spcBef>
-              <a:spcAft>
-                <a:spcPts val="0"/>
-              </a:spcAft>
-              <a:buClr>
-                <a:schemeClr val="dk1"/>
-              </a:buClr>
-              <a:buSzPts val="1200"/>
-              <a:buFont typeface="Roboto Condensed Light"/>
-              <a:buNone/>
-              <a:defRPr sz="1200" b="0" i="0" u="none" strike="noStrike" cap="none">
-                <a:solidFill>
-                  <a:schemeClr val="dk1"/>
-                </a:solidFill>
-                <a:latin typeface="Roboto Condensed Light"/>
-                <a:ea typeface="Roboto Condensed Light"/>
-                <a:cs typeface="Roboto Condensed Light"/>
-                <a:sym typeface="Roboto Condensed Light"/>
-              </a:defRPr>
-            </a:lvl6pPr>
-            <a:lvl7pPr marL="3200400" marR="0" lvl="6" indent="-304800" algn="l" rtl="0">
-              <a:lnSpc>
-                <a:spcPct val="100000"/>
-              </a:lnSpc>
-              <a:spcBef>
-                <a:spcPts val="0"/>
-              </a:spcBef>
-              <a:spcAft>
-                <a:spcPts val="0"/>
-              </a:spcAft>
-              <a:buClr>
-                <a:schemeClr val="dk1"/>
-              </a:buClr>
-              <a:buSzPts val="1200"/>
-              <a:buFont typeface="Roboto Condensed Light"/>
-              <a:buNone/>
-              <a:defRPr sz="1200" b="0" i="0" u="none" strike="noStrike" cap="none">
-                <a:solidFill>
-                  <a:schemeClr val="dk1"/>
-                </a:solidFill>
-                <a:latin typeface="Roboto Condensed Light"/>
-                <a:ea typeface="Roboto Condensed Light"/>
-                <a:cs typeface="Roboto Condensed Light"/>
-                <a:sym typeface="Roboto Condensed Light"/>
-              </a:defRPr>
-            </a:lvl7pPr>
-            <a:lvl8pPr marL="3657600" marR="0" lvl="7" indent="-304800" algn="l" rtl="0">
-              <a:lnSpc>
-                <a:spcPct val="100000"/>
-              </a:lnSpc>
-              <a:spcBef>
-                <a:spcPts val="0"/>
-              </a:spcBef>
-              <a:spcAft>
-                <a:spcPts val="0"/>
-              </a:spcAft>
-              <a:buClr>
-                <a:schemeClr val="dk1"/>
-              </a:buClr>
-              <a:buSzPts val="1200"/>
-              <a:buFont typeface="Roboto Condensed Light"/>
-              <a:buNone/>
-              <a:defRPr sz="1200" b="0" i="0" u="none" strike="noStrike" cap="none">
-                <a:solidFill>
-                  <a:schemeClr val="dk1"/>
-                </a:solidFill>
-                <a:latin typeface="Roboto Condensed Light"/>
-                <a:ea typeface="Roboto Condensed Light"/>
-                <a:cs typeface="Roboto Condensed Light"/>
-                <a:sym typeface="Roboto Condensed Light"/>
-              </a:defRPr>
-            </a:lvl8pPr>
-            <a:lvl9pPr marL="4114800" marR="0" lvl="8" indent="-304800" algn="l" rtl="0">
-              <a:lnSpc>
-                <a:spcPct val="100000"/>
-              </a:lnSpc>
-              <a:spcBef>
-                <a:spcPts val="0"/>
-              </a:spcBef>
-              <a:spcAft>
-                <a:spcPts val="0"/>
-              </a:spcAft>
-              <a:buClr>
-                <a:schemeClr val="dk1"/>
-              </a:buClr>
-              <a:buSzPts val="1200"/>
-              <a:buFont typeface="Roboto Condensed Light"/>
-              <a:buNone/>
-              <a:defRPr sz="1200" b="0" i="0" u="none" strike="noStrike" cap="none">
-                <a:solidFill>
-                  <a:schemeClr val="dk1"/>
-                </a:solidFill>
-                <a:latin typeface="Roboto Condensed Light"/>
-                <a:ea typeface="Roboto Condensed Light"/>
-                <a:cs typeface="Roboto Condensed Light"/>
-                <a:sym typeface="Roboto Condensed Light"/>
-              </a:defRPr>
-            </a:lvl9pPr>
-          </a:lstStyle>
-          <a:p>
-            <a:pPr marL="152400" indent="0">
-              <a:buSzPct val="110000"/>
-            </a:pPr>
-            <a:r>
-              <a:rPr lang="en-US" sz="2400" b="1" dirty="0">
-                <a:latin typeface="STIXNonUnicode-Regular" pitchFamily="2" charset="2"/>
-              </a:rPr>
-              <a:t>CNN</a:t>
             </a:r>
           </a:p>
         </p:txBody>
@@ -9441,7 +9081,7 @@
         </p:nvSpPr>
         <p:spPr>
           <a:xfrm>
-            <a:off x="1112601" y="3928979"/>
+            <a:off x="1655857" y="3928979"/>
             <a:ext cx="1960659" cy="525164"/>
           </a:xfrm>
           <a:prstGeom prst="rect">
@@ -9897,7 +9537,7 @@
               <a:rPr lang="en-US" sz="1600" dirty="0">
                 <a:latin typeface="STIXNonUnicode-Regular" pitchFamily="2" charset="2"/>
               </a:rPr>
-              <a:t>Often require many trees (&gt;1000) which can be time and memory exhaustive</a:t>
+              <a:t>Often requires many trees (&gt;1000) which can be time and memory exhaustive</a:t>
             </a:r>
           </a:p>
           <a:p>

--- a/doc/Presentation(group 6).pptx
+++ b/doc/Presentation(group 6).pptx
@@ -7679,7 +7679,7 @@
               <a:rPr lang="en-US" sz="1800" dirty="0">
                 <a:latin typeface="STIXNonUnicode-Regular" pitchFamily="2" charset="2"/>
               </a:rPr>
-              <a:t>A model that used pairwise distances as a feature showed much higher prediction accuracy than a model that used location of fiducial points.</a:t>
+              <a:t>A model that used pairwise distances as a feature showed much higher prediction accuracy than a model that used just a location of fiducial points.</a:t>
             </a:r>
           </a:p>
         </p:txBody>
@@ -9912,7 +9912,7 @@
               <a:rPr lang="en-US" sz="1800" b="1" dirty="0">
                 <a:latin typeface="STIXNonUnicode-Regular" pitchFamily="2" charset="2"/>
               </a:rPr>
-              <a:t>43.8%</a:t>
+              <a:t>46.8%</a:t>
             </a:r>
           </a:p>
         </p:txBody>
@@ -9983,16 +9983,10 @@
           <a:p>
             <a:pPr algn="ctr"/>
             <a:r>
-              <a:rPr lang="en-US" altLang="ko-KR" sz="1800" b="1" dirty="0">
-                <a:latin typeface="STIXNonUnicode-Regular" pitchFamily="2" charset="2"/>
-              </a:rPr>
-              <a:t>1</a:t>
-            </a:r>
-            <a:r>
               <a:rPr lang="en-US" sz="1800" b="1" dirty="0">
                 <a:latin typeface="STIXNonUnicode-Regular" pitchFamily="2" charset="2"/>
               </a:rPr>
-              <a:t>00%</a:t>
+              <a:t>96.5 %</a:t>
             </a:r>
           </a:p>
         </p:txBody>
@@ -10066,7 +10060,7 @@
               <a:rPr lang="en-US" sz="1200" b="1" dirty="0">
                 <a:latin typeface="STIXNonUnicode-Regular" pitchFamily="2" charset="2"/>
               </a:rPr>
-              <a:t>274.6s</a:t>
+              <a:t>1165.23 s</a:t>
             </a:r>
           </a:p>
         </p:txBody>
@@ -10137,16 +10131,10 @@
           <a:p>
             <a:pPr algn="ctr"/>
             <a:r>
-              <a:rPr lang="en-US" altLang="ko-KR" sz="1100" b="1" dirty="0">
-                <a:latin typeface="STIXNonUnicode-Regular" pitchFamily="2" charset="2"/>
-              </a:rPr>
-              <a:t>0.523</a:t>
-            </a:r>
-            <a:r>
               <a:rPr lang="en-US" sz="1100" b="1" dirty="0">
                 <a:latin typeface="STIXNonUnicode-Regular" pitchFamily="2" charset="2"/>
               </a:rPr>
-              <a:t>s</a:t>
+              <a:t>0.0312 s</a:t>
             </a:r>
           </a:p>
         </p:txBody>
@@ -13548,7 +13536,7 @@
           <p:nvPr>
             <p:extLst>
               <p:ext uri="{D42A27DB-BD31-4B8C-83A1-F6EECF244321}">
-                <p14:modId xmlns:p14="http://schemas.microsoft.com/office/powerpoint/2010/main" val="1361050908"/>
+                <p14:modId xmlns:p14="http://schemas.microsoft.com/office/powerpoint/2010/main" val="2968410801"/>
               </p:ext>
             </p:extLst>
           </p:nvPr>
@@ -13885,7 +13873,7 @@
                         <a:rPr lang="en-US" b="1" dirty="0">
                           <a:latin typeface="STIXNonUnicode-Regular" pitchFamily="2" charset="2"/>
                         </a:rPr>
-                        <a:t>274.6s</a:t>
+                        <a:t>1165.23s</a:t>
                       </a:r>
                     </a:p>
                   </a:txBody>
@@ -13944,10 +13932,16 @@
                     <a:p>
                       <a:pPr algn="ctr"/>
                       <a:r>
+                        <a:rPr lang="en-US" b="1">
+                          <a:latin typeface="STIXNonUnicode-Regular" pitchFamily="2" charset="2"/>
+                        </a:rPr>
+                        <a:t>46.8</a:t>
+                      </a:r>
+                      <a:r>
                         <a:rPr lang="en-US" b="1" dirty="0">
                           <a:latin typeface="STIXNonUnicode-Regular" pitchFamily="2" charset="2"/>
                         </a:rPr>
-                        <a:t>43.8%</a:t>
+                        <a:t>%</a:t>
                       </a:r>
                     </a:p>
                   </a:txBody>
